--- a/results/Results PET MR Age.pptx
+++ b/results/Results PET MR Age.pptx
@@ -5,23 +5,28 @@
     <p:sldMasterId id="2147483648" r:id="rId1"/>
   </p:sldMasterIdLst>
   <p:notesMasterIdLst>
-    <p:notesMasterId r:id="rId16"/>
+    <p:notesMasterId r:id="rId21"/>
   </p:notesMasterIdLst>
   <p:sldIdLst>
     <p:sldId id="256" r:id="rId2"/>
     <p:sldId id="261" r:id="rId3"/>
-    <p:sldId id="286" r:id="rId4"/>
-    <p:sldId id="287" r:id="rId5"/>
-    <p:sldId id="284" r:id="rId6"/>
-    <p:sldId id="285" r:id="rId7"/>
-    <p:sldId id="263" r:id="rId8"/>
-    <p:sldId id="283" r:id="rId9"/>
-    <p:sldId id="258" r:id="rId10"/>
-    <p:sldId id="288" r:id="rId11"/>
-    <p:sldId id="290" r:id="rId12"/>
-    <p:sldId id="289" r:id="rId13"/>
-    <p:sldId id="279" r:id="rId14"/>
-    <p:sldId id="280" r:id="rId15"/>
+    <p:sldId id="293" r:id="rId4"/>
+    <p:sldId id="291" r:id="rId5"/>
+    <p:sldId id="294" r:id="rId6"/>
+    <p:sldId id="295" r:id="rId7"/>
+    <p:sldId id="292" r:id="rId8"/>
+    <p:sldId id="286" r:id="rId9"/>
+    <p:sldId id="287" r:id="rId10"/>
+    <p:sldId id="284" r:id="rId11"/>
+    <p:sldId id="285" r:id="rId12"/>
+    <p:sldId id="263" r:id="rId13"/>
+    <p:sldId id="283" r:id="rId14"/>
+    <p:sldId id="258" r:id="rId15"/>
+    <p:sldId id="288" r:id="rId16"/>
+    <p:sldId id="290" r:id="rId17"/>
+    <p:sldId id="289" r:id="rId18"/>
+    <p:sldId id="279" r:id="rId19"/>
+    <p:sldId id="280" r:id="rId20"/>
   </p:sldIdLst>
   <p:sldSz cx="12192000" cy="6858000"/>
   <p:notesSz cx="6858000" cy="9144000"/>
@@ -210,7 +215,7 @@
           <a:p>
             <a:fld id="{D68BE9F4-19AD-4AB3-90C3-6AFB90DEB931}" type="datetimeFigureOut">
               <a:rPr lang="en-US" smtClean="0"/>
-              <a:t>3/22/2023</a:t>
+              <a:t>3/23/2023</a:t>
             </a:fld>
             <a:endParaRPr lang="en-US"/>
           </a:p>
@@ -547,7 +552,7 @@
           <a:p>
             <a:fld id="{41434473-45AA-4F38-841A-4CCE21B65D20}" type="slidenum">
               <a:rPr lang="en-US" smtClean="0"/>
-              <a:t>13</a:t>
+              <a:t>18</a:t>
             </a:fld>
             <a:endParaRPr lang="en-US"/>
           </a:p>
@@ -697,7 +702,7 @@
           <a:p>
             <a:fld id="{BF0F1EA4-EEA0-4F88-BE18-ACDA2D95939D}" type="datetimeFigureOut">
               <a:rPr lang="en-US" smtClean="0"/>
-              <a:t>3/22/2023</a:t>
+              <a:t>3/23/2023</a:t>
             </a:fld>
             <a:endParaRPr lang="en-US"/>
           </a:p>
@@ -867,7 +872,7 @@
           <a:p>
             <a:fld id="{BF0F1EA4-EEA0-4F88-BE18-ACDA2D95939D}" type="datetimeFigureOut">
               <a:rPr lang="en-US" smtClean="0"/>
-              <a:t>3/22/2023</a:t>
+              <a:t>3/23/2023</a:t>
             </a:fld>
             <a:endParaRPr lang="en-US"/>
           </a:p>
@@ -1047,7 +1052,7 @@
           <a:p>
             <a:fld id="{BF0F1EA4-EEA0-4F88-BE18-ACDA2D95939D}" type="datetimeFigureOut">
               <a:rPr lang="en-US" smtClean="0"/>
-              <a:t>3/22/2023</a:t>
+              <a:t>3/23/2023</a:t>
             </a:fld>
             <a:endParaRPr lang="en-US"/>
           </a:p>
@@ -1217,7 +1222,7 @@
           <a:p>
             <a:fld id="{BF0F1EA4-EEA0-4F88-BE18-ACDA2D95939D}" type="datetimeFigureOut">
               <a:rPr lang="en-US" smtClean="0"/>
-              <a:t>3/22/2023</a:t>
+              <a:t>3/23/2023</a:t>
             </a:fld>
             <a:endParaRPr lang="en-US"/>
           </a:p>
@@ -1463,7 +1468,7 @@
           <a:p>
             <a:fld id="{BF0F1EA4-EEA0-4F88-BE18-ACDA2D95939D}" type="datetimeFigureOut">
               <a:rPr lang="en-US" smtClean="0"/>
-              <a:t>3/22/2023</a:t>
+              <a:t>3/23/2023</a:t>
             </a:fld>
             <a:endParaRPr lang="en-US"/>
           </a:p>
@@ -1695,7 +1700,7 @@
           <a:p>
             <a:fld id="{BF0F1EA4-EEA0-4F88-BE18-ACDA2D95939D}" type="datetimeFigureOut">
               <a:rPr lang="en-US" smtClean="0"/>
-              <a:t>3/22/2023</a:t>
+              <a:t>3/23/2023</a:t>
             </a:fld>
             <a:endParaRPr lang="en-US"/>
           </a:p>
@@ -2062,7 +2067,7 @@
           <a:p>
             <a:fld id="{BF0F1EA4-EEA0-4F88-BE18-ACDA2D95939D}" type="datetimeFigureOut">
               <a:rPr lang="en-US" smtClean="0"/>
-              <a:t>3/22/2023</a:t>
+              <a:t>3/23/2023</a:t>
             </a:fld>
             <a:endParaRPr lang="en-US"/>
           </a:p>
@@ -2180,7 +2185,7 @@
           <a:p>
             <a:fld id="{BF0F1EA4-EEA0-4F88-BE18-ACDA2D95939D}" type="datetimeFigureOut">
               <a:rPr lang="en-US" smtClean="0"/>
-              <a:t>3/22/2023</a:t>
+              <a:t>3/23/2023</a:t>
             </a:fld>
             <a:endParaRPr lang="en-US"/>
           </a:p>
@@ -2275,7 +2280,7 @@
           <a:p>
             <a:fld id="{BF0F1EA4-EEA0-4F88-BE18-ACDA2D95939D}" type="datetimeFigureOut">
               <a:rPr lang="en-US" smtClean="0"/>
-              <a:t>3/22/2023</a:t>
+              <a:t>3/23/2023</a:t>
             </a:fld>
             <a:endParaRPr lang="en-US"/>
           </a:p>
@@ -2552,7 +2557,7 @@
           <a:p>
             <a:fld id="{BF0F1EA4-EEA0-4F88-BE18-ACDA2D95939D}" type="datetimeFigureOut">
               <a:rPr lang="en-US" smtClean="0"/>
-              <a:t>3/22/2023</a:t>
+              <a:t>3/23/2023</a:t>
             </a:fld>
             <a:endParaRPr lang="en-US"/>
           </a:p>
@@ -2805,7 +2810,7 @@
           <a:p>
             <a:fld id="{BF0F1EA4-EEA0-4F88-BE18-ACDA2D95939D}" type="datetimeFigureOut">
               <a:rPr lang="en-US" smtClean="0"/>
-              <a:t>3/22/2023</a:t>
+              <a:t>3/23/2023</a:t>
             </a:fld>
             <a:endParaRPr lang="en-US"/>
           </a:p>
@@ -3018,7 +3023,7 @@
           <a:p>
             <a:fld id="{BF0F1EA4-EEA0-4F88-BE18-ACDA2D95939D}" type="datetimeFigureOut">
               <a:rPr lang="en-US" smtClean="0"/>
-              <a:t>3/22/2023</a:t>
+              <a:t>3/23/2023</a:t>
             </a:fld>
             <a:endParaRPr lang="en-US"/>
           </a:p>
@@ -3505,6 +3510,1325 @@
             <p:ph type="title"/>
           </p:nvPr>
         </p:nvSpPr>
+        <p:spPr/>
+        <p:txBody>
+          <a:bodyPr/>
+          <a:lstStyle/>
+          <a:p>
+            <a:r>
+              <a:rPr lang="en-US" dirty="0" smtClean="0"/>
+              <a:t>Pathology</a:t>
+            </a:r>
+            <a:endParaRPr lang="en-US" dirty="0"/>
+          </a:p>
+        </p:txBody>
+      </p:sp>
+      <p:pic>
+        <p:nvPicPr>
+          <p:cNvPr id="7" name="Grafik 6"/>
+          <p:cNvPicPr>
+            <a:picLocks noChangeAspect="1"/>
+          </p:cNvPicPr>
+          <p:nvPr/>
+        </p:nvPicPr>
+        <p:blipFill>
+          <a:blip r:embed="rId2" cstate="print">
+            <a:extLst>
+              <a:ext uri="{28A0092B-C50C-407E-A947-70E740481C1C}">
+                <a14:useLocalDpi xmlns:a14="http://schemas.microsoft.com/office/drawing/2010/main" val="0"/>
+              </a:ext>
+            </a:extLst>
+          </a:blip>
+          <a:stretch>
+            <a:fillRect/>
+          </a:stretch>
+        </p:blipFill>
+        <p:spPr>
+          <a:xfrm>
+            <a:off x="906470" y="1828800"/>
+            <a:ext cx="4687984" cy="4581792"/>
+          </a:xfrm>
+          <a:prstGeom prst="rect">
+            <a:avLst/>
+          </a:prstGeom>
+        </p:spPr>
+      </p:pic>
+      <p:sp>
+        <p:nvSpPr>
+          <p:cNvPr id="8" name="Textfeld 7"/>
+          <p:cNvSpPr txBox="1"/>
+          <p:nvPr/>
+        </p:nvSpPr>
+        <p:spPr>
+          <a:xfrm>
+            <a:off x="1479176" y="6213209"/>
+            <a:ext cx="3478306" cy="201722"/>
+          </a:xfrm>
+          <a:prstGeom prst="rect">
+            <a:avLst/>
+          </a:prstGeom>
+          <a:solidFill>
+            <a:schemeClr val="bg1"/>
+          </a:solidFill>
+        </p:spPr>
+        <p:txBody>
+          <a:bodyPr wrap="square" rtlCol="0" anchor="ctr">
+            <a:spAutoFit/>
+          </a:bodyPr>
+          <a:lstStyle/>
+          <a:p>
+            <a:pPr algn="ctr">
+              <a:lnSpc>
+                <a:spcPts val="753"/>
+              </a:lnSpc>
+            </a:pPr>
+            <a:r>
+              <a:rPr lang="en-US" sz="1100" b="1" dirty="0" smtClean="0">
+                <a:latin typeface="Helvetica" pitchFamily="2" charset="0"/>
+              </a:rPr>
+              <a:t>FDG-PET BAG </a:t>
+            </a:r>
+            <a:r>
+              <a:rPr lang="en-US" sz="1100" dirty="0">
+                <a:latin typeface="Helvetica" pitchFamily="2" charset="0"/>
+              </a:rPr>
+              <a:t>[years]</a:t>
+            </a:r>
+          </a:p>
+        </p:txBody>
+      </p:sp>
+      <p:sp>
+        <p:nvSpPr>
+          <p:cNvPr id="10" name="Textfeld 9"/>
+          <p:cNvSpPr txBox="1"/>
+          <p:nvPr/>
+        </p:nvSpPr>
+        <p:spPr>
+          <a:xfrm rot="16200000">
+            <a:off x="-735220" y="4149890"/>
+            <a:ext cx="3478306" cy="208775"/>
+          </a:xfrm>
+          <a:prstGeom prst="rect">
+            <a:avLst/>
+          </a:prstGeom>
+          <a:solidFill>
+            <a:schemeClr val="bg1"/>
+          </a:solidFill>
+        </p:spPr>
+        <p:txBody>
+          <a:bodyPr wrap="square" rtlCol="0" anchor="ctr">
+            <a:spAutoFit/>
+          </a:bodyPr>
+          <a:lstStyle/>
+          <a:p>
+            <a:pPr algn="ctr">
+              <a:lnSpc>
+                <a:spcPts val="753"/>
+              </a:lnSpc>
+            </a:pPr>
+            <a:r>
+              <a:rPr lang="en-US" sz="1100" b="1" dirty="0" smtClean="0">
+                <a:latin typeface="Helvetica" pitchFamily="2" charset="0"/>
+              </a:rPr>
+              <a:t>CSF A</a:t>
+            </a:r>
+            <a:r>
+              <a:rPr lang="el-GR" sz="1200" b="1" dirty="0" smtClean="0">
+                <a:latin typeface="Helvetica" pitchFamily="2" charset="0"/>
+              </a:rPr>
+              <a:t>β</a:t>
+            </a:r>
+            <a:r>
+              <a:rPr lang="de-DE" sz="1200" b="1" baseline="-25000" dirty="0" smtClean="0">
+                <a:latin typeface="Helvetica" pitchFamily="2" charset="0"/>
+              </a:rPr>
+              <a:t>1-42 </a:t>
+            </a:r>
+            <a:r>
+              <a:rPr lang="de-DE" sz="1200" dirty="0" smtClean="0">
+                <a:latin typeface="Helvetica" pitchFamily="2" charset="0"/>
+              </a:rPr>
+              <a:t>[pg/ml]</a:t>
+            </a:r>
+            <a:endParaRPr lang="en-US" sz="1400" dirty="0">
+              <a:latin typeface="Helvetica" pitchFamily="2" charset="0"/>
+            </a:endParaRPr>
+          </a:p>
+        </p:txBody>
+      </p:sp>
+    </p:spTree>
+    <p:extLst>
+      <p:ext uri="{BB962C8B-B14F-4D97-AF65-F5344CB8AC3E}">
+        <p14:creationId xmlns:p14="http://schemas.microsoft.com/office/powerpoint/2010/main" val="1569664208"/>
+      </p:ext>
+    </p:extLst>
+  </p:cSld>
+  <p:clrMapOvr>
+    <a:masterClrMapping/>
+  </p:clrMapOvr>
+</p:sld>
+</file>
+
+<file path=ppt/slides/slide11.xml><?xml version="1.0" encoding="utf-8"?>
+<p:sld xmlns:a="http://schemas.openxmlformats.org/drawingml/2006/main" xmlns:r="http://schemas.openxmlformats.org/officeDocument/2006/relationships" xmlns:p="http://schemas.openxmlformats.org/presentationml/2006/main">
+  <p:cSld>
+    <p:spTree>
+      <p:nvGrpSpPr>
+        <p:cNvPr id="1" name=""/>
+        <p:cNvGrpSpPr/>
+        <p:nvPr/>
+      </p:nvGrpSpPr>
+      <p:grpSpPr>
+        <a:xfrm>
+          <a:off x="0" y="0"/>
+          <a:ext cx="0" cy="0"/>
+          <a:chOff x="0" y="0"/>
+          <a:chExt cx="0" cy="0"/>
+        </a:xfrm>
+      </p:grpSpPr>
+      <p:sp>
+        <p:nvSpPr>
+          <p:cNvPr id="2" name="Titel 1"/>
+          <p:cNvSpPr>
+            <a:spLocks noGrp="1"/>
+          </p:cNvSpPr>
+          <p:nvPr>
+            <p:ph type="title"/>
+          </p:nvPr>
+        </p:nvSpPr>
+        <p:spPr/>
+        <p:txBody>
+          <a:bodyPr/>
+          <a:lstStyle/>
+          <a:p>
+            <a:r>
+              <a:rPr lang="en-US" dirty="0" smtClean="0"/>
+              <a:t>Interaction effect amyloid?</a:t>
+            </a:r>
+            <a:endParaRPr lang="en-US" dirty="0"/>
+          </a:p>
+        </p:txBody>
+      </p:sp>
+    </p:spTree>
+    <p:extLst>
+      <p:ext uri="{BB962C8B-B14F-4D97-AF65-F5344CB8AC3E}">
+        <p14:creationId xmlns:p14="http://schemas.microsoft.com/office/powerpoint/2010/main" val="489734505"/>
+      </p:ext>
+    </p:extLst>
+  </p:cSld>
+  <p:clrMapOvr>
+    <a:masterClrMapping/>
+  </p:clrMapOvr>
+</p:sld>
+</file>
+
+<file path=ppt/slides/slide12.xml><?xml version="1.0" encoding="utf-8"?>
+<p:sld xmlns:a="http://schemas.openxmlformats.org/drawingml/2006/main" xmlns:r="http://schemas.openxmlformats.org/officeDocument/2006/relationships" xmlns:p="http://schemas.openxmlformats.org/presentationml/2006/main">
+  <p:cSld>
+    <p:spTree>
+      <p:nvGrpSpPr>
+        <p:cNvPr id="1" name=""/>
+        <p:cNvGrpSpPr/>
+        <p:nvPr/>
+      </p:nvGrpSpPr>
+      <p:grpSpPr>
+        <a:xfrm>
+          <a:off x="0" y="0"/>
+          <a:ext cx="0" cy="0"/>
+          <a:chOff x="0" y="0"/>
+          <a:chExt cx="0" cy="0"/>
+        </a:xfrm>
+      </p:grpSpPr>
+      <p:pic>
+        <p:nvPicPr>
+          <p:cNvPr id="4" name="Grafik 3"/>
+          <p:cNvPicPr>
+            <a:picLocks noChangeAspect="1"/>
+          </p:cNvPicPr>
+          <p:nvPr/>
+        </p:nvPicPr>
+        <p:blipFill>
+          <a:blip r:embed="rId2" cstate="print">
+            <a:extLst>
+              <a:ext uri="{28A0092B-C50C-407E-A947-70E740481C1C}">
+                <a14:useLocalDpi xmlns:a14="http://schemas.microsoft.com/office/drawing/2010/main" val="0"/>
+              </a:ext>
+            </a:extLst>
+          </a:blip>
+          <a:stretch>
+            <a:fillRect/>
+          </a:stretch>
+        </p:blipFill>
+        <p:spPr>
+          <a:xfrm>
+            <a:off x="833462" y="2472576"/>
+            <a:ext cx="10505907" cy="3808881"/>
+          </a:xfrm>
+          <a:prstGeom prst="rect">
+            <a:avLst/>
+          </a:prstGeom>
+        </p:spPr>
+      </p:pic>
+      <p:sp>
+        <p:nvSpPr>
+          <p:cNvPr id="7" name="Textfeld 6"/>
+          <p:cNvSpPr txBox="1"/>
+          <p:nvPr/>
+        </p:nvSpPr>
+        <p:spPr>
+          <a:xfrm>
+            <a:off x="1428207" y="6050854"/>
+            <a:ext cx="4450080" cy="201722"/>
+          </a:xfrm>
+          <a:prstGeom prst="rect">
+            <a:avLst/>
+          </a:prstGeom>
+          <a:solidFill>
+            <a:schemeClr val="bg1"/>
+          </a:solidFill>
+        </p:spPr>
+        <p:txBody>
+          <a:bodyPr wrap="square" rtlCol="0" anchor="ctr">
+            <a:spAutoFit/>
+          </a:bodyPr>
+          <a:lstStyle/>
+          <a:p>
+            <a:pPr algn="ctr">
+              <a:lnSpc>
+                <a:spcPts val="753"/>
+              </a:lnSpc>
+            </a:pPr>
+            <a:r>
+              <a:rPr lang="en-US" sz="1100" b="1" dirty="0" smtClean="0">
+                <a:latin typeface="Helvetica" pitchFamily="2" charset="0"/>
+              </a:rPr>
+              <a:t>FDG-PET BAG </a:t>
+            </a:r>
+            <a:r>
+              <a:rPr lang="en-US" sz="1100" dirty="0">
+                <a:latin typeface="Helvetica" pitchFamily="2" charset="0"/>
+              </a:rPr>
+              <a:t>[years]</a:t>
+            </a:r>
+          </a:p>
+        </p:txBody>
+      </p:sp>
+      <p:sp>
+        <p:nvSpPr>
+          <p:cNvPr id="8" name="Textfeld 7"/>
+          <p:cNvSpPr txBox="1"/>
+          <p:nvPr/>
+        </p:nvSpPr>
+        <p:spPr>
+          <a:xfrm>
+            <a:off x="6773005" y="6047277"/>
+            <a:ext cx="4450080" cy="201722"/>
+          </a:xfrm>
+          <a:prstGeom prst="rect">
+            <a:avLst/>
+          </a:prstGeom>
+          <a:solidFill>
+            <a:schemeClr val="bg1"/>
+          </a:solidFill>
+        </p:spPr>
+        <p:txBody>
+          <a:bodyPr wrap="square" rtlCol="0" anchor="ctr">
+            <a:spAutoFit/>
+          </a:bodyPr>
+          <a:lstStyle/>
+          <a:p>
+            <a:pPr algn="ctr">
+              <a:lnSpc>
+                <a:spcPts val="753"/>
+              </a:lnSpc>
+            </a:pPr>
+            <a:r>
+              <a:rPr lang="en-US" sz="1100" b="1" dirty="0" smtClean="0">
+                <a:latin typeface="Helvetica" pitchFamily="2" charset="0"/>
+              </a:rPr>
+              <a:t>MRI BAG </a:t>
+            </a:r>
+            <a:r>
+              <a:rPr lang="en-US" sz="1100" dirty="0">
+                <a:latin typeface="Helvetica" pitchFamily="2" charset="0"/>
+              </a:rPr>
+              <a:t>[years]</a:t>
+            </a:r>
+          </a:p>
+        </p:txBody>
+      </p:sp>
+      <p:sp>
+        <p:nvSpPr>
+          <p:cNvPr id="9" name="Rechteck 8"/>
+          <p:cNvSpPr/>
+          <p:nvPr/>
+        </p:nvSpPr>
+        <p:spPr>
+          <a:xfrm>
+            <a:off x="5068389" y="2697553"/>
+            <a:ext cx="505097" cy="131549"/>
+          </a:xfrm>
+          <a:prstGeom prst="rect">
+            <a:avLst/>
+          </a:prstGeom>
+          <a:solidFill>
+            <a:schemeClr val="bg1"/>
+          </a:solidFill>
+          <a:ln>
+            <a:noFill/>
+          </a:ln>
+        </p:spPr>
+        <p:style>
+          <a:lnRef idx="2">
+            <a:schemeClr val="accent1">
+              <a:shade val="50000"/>
+            </a:schemeClr>
+          </a:lnRef>
+          <a:fillRef idx="1">
+            <a:schemeClr val="accent1"/>
+          </a:fillRef>
+          <a:effectRef idx="0">
+            <a:schemeClr val="accent1"/>
+          </a:effectRef>
+          <a:fontRef idx="minor">
+            <a:schemeClr val="lt1"/>
+          </a:fontRef>
+        </p:style>
+        <p:txBody>
+          <a:bodyPr rtlCol="0" anchor="ctr"/>
+          <a:lstStyle/>
+          <a:p>
+            <a:pPr algn="ctr"/>
+            <a:endParaRPr lang="en-US"/>
+          </a:p>
+        </p:txBody>
+      </p:sp>
+      <p:sp>
+        <p:nvSpPr>
+          <p:cNvPr id="10" name="Rechteck 9"/>
+          <p:cNvSpPr/>
+          <p:nvPr/>
+        </p:nvSpPr>
+        <p:spPr>
+          <a:xfrm>
+            <a:off x="5172891" y="2867372"/>
+            <a:ext cx="583475" cy="324320"/>
+          </a:xfrm>
+          <a:prstGeom prst="rect">
+            <a:avLst/>
+          </a:prstGeom>
+          <a:solidFill>
+            <a:schemeClr val="bg1"/>
+          </a:solidFill>
+          <a:ln>
+            <a:noFill/>
+          </a:ln>
+        </p:spPr>
+        <p:style>
+          <a:lnRef idx="2">
+            <a:schemeClr val="accent1">
+              <a:shade val="50000"/>
+            </a:schemeClr>
+          </a:lnRef>
+          <a:fillRef idx="1">
+            <a:schemeClr val="accent1"/>
+          </a:fillRef>
+          <a:effectRef idx="0">
+            <a:schemeClr val="accent1"/>
+          </a:effectRef>
+          <a:fontRef idx="minor">
+            <a:schemeClr val="lt1"/>
+          </a:fontRef>
+        </p:style>
+        <p:txBody>
+          <a:bodyPr rtlCol="0" anchor="ctr"/>
+          <a:lstStyle/>
+          <a:p>
+            <a:pPr algn="ctr"/>
+            <a:endParaRPr lang="en-US"/>
+          </a:p>
+        </p:txBody>
+      </p:sp>
+      <p:sp>
+        <p:nvSpPr>
+          <p:cNvPr id="11" name="Rechteck 10"/>
+          <p:cNvSpPr/>
+          <p:nvPr/>
+        </p:nvSpPr>
+        <p:spPr>
+          <a:xfrm>
+            <a:off x="10387105" y="2698603"/>
+            <a:ext cx="505097" cy="131549"/>
+          </a:xfrm>
+          <a:prstGeom prst="rect">
+            <a:avLst/>
+          </a:prstGeom>
+          <a:solidFill>
+            <a:schemeClr val="bg1"/>
+          </a:solidFill>
+          <a:ln>
+            <a:noFill/>
+          </a:ln>
+        </p:spPr>
+        <p:style>
+          <a:lnRef idx="2">
+            <a:schemeClr val="accent1">
+              <a:shade val="50000"/>
+            </a:schemeClr>
+          </a:lnRef>
+          <a:fillRef idx="1">
+            <a:schemeClr val="accent1"/>
+          </a:fillRef>
+          <a:effectRef idx="0">
+            <a:schemeClr val="accent1"/>
+          </a:effectRef>
+          <a:fontRef idx="minor">
+            <a:schemeClr val="lt1"/>
+          </a:fontRef>
+        </p:style>
+        <p:txBody>
+          <a:bodyPr rtlCol="0" anchor="ctr"/>
+          <a:lstStyle/>
+          <a:p>
+            <a:pPr algn="ctr"/>
+            <a:endParaRPr lang="en-US"/>
+          </a:p>
+        </p:txBody>
+      </p:sp>
+      <p:sp>
+        <p:nvSpPr>
+          <p:cNvPr id="12" name="Rechteck 11"/>
+          <p:cNvSpPr/>
+          <p:nvPr/>
+        </p:nvSpPr>
+        <p:spPr>
+          <a:xfrm>
+            <a:off x="10491607" y="2868422"/>
+            <a:ext cx="583475" cy="324320"/>
+          </a:xfrm>
+          <a:prstGeom prst="rect">
+            <a:avLst/>
+          </a:prstGeom>
+          <a:solidFill>
+            <a:schemeClr val="bg1"/>
+          </a:solidFill>
+          <a:ln>
+            <a:noFill/>
+          </a:ln>
+        </p:spPr>
+        <p:style>
+          <a:lnRef idx="2">
+            <a:schemeClr val="accent1">
+              <a:shade val="50000"/>
+            </a:schemeClr>
+          </a:lnRef>
+          <a:fillRef idx="1">
+            <a:schemeClr val="accent1"/>
+          </a:fillRef>
+          <a:effectRef idx="0">
+            <a:schemeClr val="accent1"/>
+          </a:effectRef>
+          <a:fontRef idx="minor">
+            <a:schemeClr val="lt1"/>
+          </a:fontRef>
+        </p:style>
+        <p:txBody>
+          <a:bodyPr rtlCol="0" anchor="ctr"/>
+          <a:lstStyle/>
+          <a:p>
+            <a:pPr algn="ctr"/>
+            <a:endParaRPr lang="en-US"/>
+          </a:p>
+        </p:txBody>
+      </p:sp>
+      <p:sp>
+        <p:nvSpPr>
+          <p:cNvPr id="13" name="Textfeld 12"/>
+          <p:cNvSpPr txBox="1"/>
+          <p:nvPr/>
+        </p:nvSpPr>
+        <p:spPr>
+          <a:xfrm>
+            <a:off x="4781002" y="2636590"/>
+            <a:ext cx="879566" cy="261610"/>
+          </a:xfrm>
+          <a:prstGeom prst="rect">
+            <a:avLst/>
+          </a:prstGeom>
+          <a:noFill/>
+        </p:spPr>
+        <p:txBody>
+          <a:bodyPr wrap="square" rtlCol="0">
+            <a:spAutoFit/>
+          </a:bodyPr>
+          <a:lstStyle/>
+          <a:p>
+            <a:r>
+              <a:rPr lang="en-US" sz="1100" b="1" dirty="0" smtClean="0">
+                <a:latin typeface="Helvetica" pitchFamily="2" charset="0"/>
+              </a:rPr>
+              <a:t>Category</a:t>
+            </a:r>
+            <a:endParaRPr lang="en-US" sz="1100" b="1" dirty="0">
+              <a:latin typeface="Helvetica" pitchFamily="2" charset="0"/>
+            </a:endParaRPr>
+          </a:p>
+        </p:txBody>
+      </p:sp>
+      <p:sp>
+        <p:nvSpPr>
+          <p:cNvPr id="14" name="Textfeld 13"/>
+          <p:cNvSpPr txBox="1"/>
+          <p:nvPr/>
+        </p:nvSpPr>
+        <p:spPr>
+          <a:xfrm>
+            <a:off x="10101938" y="2636590"/>
+            <a:ext cx="885138" cy="261610"/>
+          </a:xfrm>
+          <a:prstGeom prst="rect">
+            <a:avLst/>
+          </a:prstGeom>
+          <a:noFill/>
+        </p:spPr>
+        <p:txBody>
+          <a:bodyPr wrap="square" rtlCol="0">
+            <a:spAutoFit/>
+          </a:bodyPr>
+          <a:lstStyle/>
+          <a:p>
+            <a:r>
+              <a:rPr lang="en-US" sz="1100" b="1" dirty="0" smtClean="0">
+                <a:latin typeface="Helvetica" pitchFamily="2" charset="0"/>
+              </a:rPr>
+              <a:t>Category</a:t>
+            </a:r>
+            <a:endParaRPr lang="en-US" sz="1100" b="1" dirty="0">
+              <a:latin typeface="Helvetica" pitchFamily="2" charset="0"/>
+            </a:endParaRPr>
+          </a:p>
+        </p:txBody>
+      </p:sp>
+      <p:sp>
+        <p:nvSpPr>
+          <p:cNvPr id="15" name="Textfeld 14"/>
+          <p:cNvSpPr txBox="1"/>
+          <p:nvPr/>
+        </p:nvSpPr>
+        <p:spPr>
+          <a:xfrm>
+            <a:off x="5059405" y="2787123"/>
+            <a:ext cx="879566" cy="464743"/>
+          </a:xfrm>
+          <a:prstGeom prst="rect">
+            <a:avLst/>
+          </a:prstGeom>
+          <a:noFill/>
+        </p:spPr>
+        <p:txBody>
+          <a:bodyPr wrap="square" rtlCol="0">
+            <a:spAutoFit/>
+          </a:bodyPr>
+          <a:lstStyle/>
+          <a:p>
+            <a:r>
+              <a:rPr lang="en-US" sz="1100" dirty="0" smtClean="0">
+                <a:latin typeface="Helvetica" pitchFamily="2" charset="0"/>
+              </a:rPr>
+              <a:t>Stable</a:t>
+            </a:r>
+          </a:p>
+          <a:p>
+            <a:pPr>
+              <a:lnSpc>
+                <a:spcPct val="120000"/>
+              </a:lnSpc>
+            </a:pPr>
+            <a:r>
+              <a:rPr lang="en-US" sz="1100" dirty="0" smtClean="0">
+                <a:latin typeface="Helvetica" pitchFamily="2" charset="0"/>
+              </a:rPr>
+              <a:t>Decline </a:t>
+            </a:r>
+            <a:endParaRPr lang="en-US" sz="1100" dirty="0">
+              <a:latin typeface="Helvetica" pitchFamily="2" charset="0"/>
+            </a:endParaRPr>
+          </a:p>
+        </p:txBody>
+      </p:sp>
+      <p:sp>
+        <p:nvSpPr>
+          <p:cNvPr id="16" name="Textfeld 15"/>
+          <p:cNvSpPr txBox="1"/>
+          <p:nvPr/>
+        </p:nvSpPr>
+        <p:spPr>
+          <a:xfrm>
+            <a:off x="10385995" y="2795538"/>
+            <a:ext cx="879566" cy="464743"/>
+          </a:xfrm>
+          <a:prstGeom prst="rect">
+            <a:avLst/>
+          </a:prstGeom>
+          <a:noFill/>
+        </p:spPr>
+        <p:txBody>
+          <a:bodyPr wrap="square" rtlCol="0">
+            <a:spAutoFit/>
+          </a:bodyPr>
+          <a:lstStyle/>
+          <a:p>
+            <a:r>
+              <a:rPr lang="en-US" sz="1100" dirty="0" smtClean="0">
+                <a:latin typeface="Helvetica" pitchFamily="2" charset="0"/>
+              </a:rPr>
+              <a:t>Stable</a:t>
+            </a:r>
+          </a:p>
+          <a:p>
+            <a:pPr>
+              <a:lnSpc>
+                <a:spcPct val="120000"/>
+              </a:lnSpc>
+            </a:pPr>
+            <a:r>
+              <a:rPr lang="en-US" sz="1100" dirty="0" smtClean="0">
+                <a:latin typeface="Helvetica" pitchFamily="2" charset="0"/>
+              </a:rPr>
+              <a:t>Decline </a:t>
+            </a:r>
+            <a:endParaRPr lang="en-US" sz="1100" dirty="0">
+              <a:latin typeface="Helvetica" pitchFamily="2" charset="0"/>
+            </a:endParaRPr>
+          </a:p>
+        </p:txBody>
+      </p:sp>
+      <p:sp>
+        <p:nvSpPr>
+          <p:cNvPr id="18" name="Textfeld 17"/>
+          <p:cNvSpPr txBox="1"/>
+          <p:nvPr/>
+        </p:nvSpPr>
+        <p:spPr>
+          <a:xfrm rot="16200000">
+            <a:off x="-684725" y="4120357"/>
+            <a:ext cx="3307977" cy="195073"/>
+          </a:xfrm>
+          <a:prstGeom prst="rect">
+            <a:avLst/>
+          </a:prstGeom>
+          <a:solidFill>
+            <a:schemeClr val="bg1"/>
+          </a:solidFill>
+        </p:spPr>
+        <p:txBody>
+          <a:bodyPr wrap="square" rtlCol="0" anchor="ctr">
+            <a:spAutoFit/>
+          </a:bodyPr>
+          <a:lstStyle/>
+          <a:p>
+            <a:pPr algn="ctr">
+              <a:lnSpc>
+                <a:spcPts val="753"/>
+              </a:lnSpc>
+            </a:pPr>
+            <a:r>
+              <a:rPr lang="en-US" sz="1100" b="1" dirty="0" smtClean="0">
+                <a:latin typeface="Helvetica" pitchFamily="2" charset="0"/>
+              </a:rPr>
+              <a:t>Density</a:t>
+            </a:r>
+            <a:endParaRPr lang="en-US" sz="1100" b="1" dirty="0">
+              <a:latin typeface="Helvetica" pitchFamily="2" charset="0"/>
+            </a:endParaRPr>
+          </a:p>
+        </p:txBody>
+      </p:sp>
+      <p:sp>
+        <p:nvSpPr>
+          <p:cNvPr id="19" name="Textfeld 18"/>
+          <p:cNvSpPr txBox="1"/>
+          <p:nvPr/>
+        </p:nvSpPr>
+        <p:spPr>
+          <a:xfrm rot="16200000">
+            <a:off x="4634099" y="4120356"/>
+            <a:ext cx="3307977" cy="195073"/>
+          </a:xfrm>
+          <a:prstGeom prst="rect">
+            <a:avLst/>
+          </a:prstGeom>
+          <a:solidFill>
+            <a:schemeClr val="bg1"/>
+          </a:solidFill>
+        </p:spPr>
+        <p:txBody>
+          <a:bodyPr wrap="square" rtlCol="0" anchor="ctr">
+            <a:spAutoFit/>
+          </a:bodyPr>
+          <a:lstStyle/>
+          <a:p>
+            <a:pPr algn="ctr">
+              <a:lnSpc>
+                <a:spcPts val="753"/>
+              </a:lnSpc>
+            </a:pPr>
+            <a:r>
+              <a:rPr lang="en-US" sz="1100" b="1" dirty="0" smtClean="0">
+                <a:latin typeface="Helvetica" pitchFamily="2" charset="0"/>
+              </a:rPr>
+              <a:t>Density</a:t>
+            </a:r>
+            <a:endParaRPr lang="en-US" sz="1100" b="1" dirty="0">
+              <a:latin typeface="Helvetica" pitchFamily="2" charset="0"/>
+            </a:endParaRPr>
+          </a:p>
+        </p:txBody>
+      </p:sp>
+    </p:spTree>
+    <p:extLst>
+      <p:ext uri="{BB962C8B-B14F-4D97-AF65-F5344CB8AC3E}">
+        <p14:creationId xmlns:p14="http://schemas.microsoft.com/office/powerpoint/2010/main" val="2190040132"/>
+      </p:ext>
+    </p:extLst>
+  </p:cSld>
+  <p:clrMapOvr>
+    <a:masterClrMapping/>
+  </p:clrMapOvr>
+</p:sld>
+</file>
+
+<file path=ppt/slides/slide13.xml><?xml version="1.0" encoding="utf-8"?>
+<p:sld xmlns:a="http://schemas.openxmlformats.org/drawingml/2006/main" xmlns:r="http://schemas.openxmlformats.org/officeDocument/2006/relationships" xmlns:p="http://schemas.openxmlformats.org/presentationml/2006/main">
+  <p:cSld>
+    <p:spTree>
+      <p:nvGrpSpPr>
+        <p:cNvPr id="1" name=""/>
+        <p:cNvGrpSpPr/>
+        <p:nvPr/>
+      </p:nvGrpSpPr>
+      <p:grpSpPr>
+        <a:xfrm>
+          <a:off x="0" y="0"/>
+          <a:ext cx="0" cy="0"/>
+          <a:chOff x="0" y="0"/>
+          <a:chExt cx="0" cy="0"/>
+        </a:xfrm>
+      </p:grpSpPr>
+      <p:sp>
+        <p:nvSpPr>
+          <p:cNvPr id="2" name="Titel 1"/>
+          <p:cNvSpPr>
+            <a:spLocks noGrp="1"/>
+          </p:cNvSpPr>
+          <p:nvPr>
+            <p:ph type="title"/>
+          </p:nvPr>
+        </p:nvSpPr>
+        <p:spPr/>
+        <p:txBody>
+          <a:bodyPr/>
+          <a:lstStyle/>
+          <a:p>
+            <a:endParaRPr lang="en-US"/>
+          </a:p>
+        </p:txBody>
+      </p:sp>
+      <p:pic>
+        <p:nvPicPr>
+          <p:cNvPr id="7" name="Grafik 6"/>
+          <p:cNvPicPr>
+            <a:picLocks noChangeAspect="1"/>
+          </p:cNvPicPr>
+          <p:nvPr/>
+        </p:nvPicPr>
+        <p:blipFill rotWithShape="1">
+          <a:blip r:embed="rId2">
+            <a:extLst>
+              <a:ext uri="{28A0092B-C50C-407E-A947-70E740481C1C}">
+                <a14:useLocalDpi xmlns:a14="http://schemas.microsoft.com/office/drawing/2010/main" val="0"/>
+              </a:ext>
+            </a:extLst>
+          </a:blip>
+          <a:srcRect t="6096"/>
+          <a:stretch/>
+        </p:blipFill>
+        <p:spPr>
+          <a:xfrm>
+            <a:off x="3277888" y="2211976"/>
+            <a:ext cx="5285242" cy="3906887"/>
+          </a:xfrm>
+          <a:prstGeom prst="rect">
+            <a:avLst/>
+          </a:prstGeom>
+        </p:spPr>
+      </p:pic>
+      <p:sp>
+        <p:nvSpPr>
+          <p:cNvPr id="8" name="Textfeld 7"/>
+          <p:cNvSpPr txBox="1"/>
+          <p:nvPr/>
+        </p:nvSpPr>
+        <p:spPr>
+          <a:xfrm>
+            <a:off x="3818455" y="5877252"/>
+            <a:ext cx="4549418" cy="201722"/>
+          </a:xfrm>
+          <a:prstGeom prst="rect">
+            <a:avLst/>
+          </a:prstGeom>
+          <a:solidFill>
+            <a:schemeClr val="bg1"/>
+          </a:solidFill>
+        </p:spPr>
+        <p:txBody>
+          <a:bodyPr wrap="square" rtlCol="0" anchor="ctr">
+            <a:spAutoFit/>
+          </a:bodyPr>
+          <a:lstStyle/>
+          <a:p>
+            <a:pPr algn="ctr">
+              <a:lnSpc>
+                <a:spcPts val="753"/>
+              </a:lnSpc>
+            </a:pPr>
+            <a:r>
+              <a:rPr lang="en-US" sz="1100" b="1" dirty="0" smtClean="0">
+                <a:latin typeface="Helvetica" pitchFamily="2" charset="0"/>
+              </a:rPr>
+              <a:t>1-Specificity</a:t>
+            </a:r>
+            <a:endParaRPr lang="en-US" sz="1100" dirty="0">
+              <a:latin typeface="Helvetica" pitchFamily="2" charset="0"/>
+            </a:endParaRPr>
+          </a:p>
+        </p:txBody>
+      </p:sp>
+      <p:sp>
+        <p:nvSpPr>
+          <p:cNvPr id="9" name="Textfeld 8"/>
+          <p:cNvSpPr txBox="1"/>
+          <p:nvPr/>
+        </p:nvSpPr>
+        <p:spPr>
+          <a:xfrm rot="16200000">
+            <a:off x="1703434" y="3856213"/>
+            <a:ext cx="3415554" cy="194925"/>
+          </a:xfrm>
+          <a:prstGeom prst="rect">
+            <a:avLst/>
+          </a:prstGeom>
+          <a:solidFill>
+            <a:schemeClr val="bg1"/>
+          </a:solidFill>
+        </p:spPr>
+        <p:txBody>
+          <a:bodyPr wrap="square" rtlCol="0" anchor="ctr">
+            <a:spAutoFit/>
+          </a:bodyPr>
+          <a:lstStyle/>
+          <a:p>
+            <a:pPr algn="ctr">
+              <a:lnSpc>
+                <a:spcPts val="753"/>
+              </a:lnSpc>
+            </a:pPr>
+            <a:r>
+              <a:rPr lang="en-US" sz="1100" b="1" dirty="0" smtClean="0">
+                <a:latin typeface="Helvetica" pitchFamily="2" charset="0"/>
+              </a:rPr>
+              <a:t>Sensitivity</a:t>
+            </a:r>
+            <a:endParaRPr lang="en-US" sz="1100" dirty="0">
+              <a:latin typeface="Helvetica" pitchFamily="2" charset="0"/>
+            </a:endParaRPr>
+          </a:p>
+        </p:txBody>
+      </p:sp>
+      <p:sp>
+        <p:nvSpPr>
+          <p:cNvPr id="11" name="Rechteck 10"/>
+          <p:cNvSpPr/>
+          <p:nvPr/>
+        </p:nvSpPr>
+        <p:spPr>
+          <a:xfrm>
+            <a:off x="6400800" y="4410635"/>
+            <a:ext cx="1882588" cy="1147483"/>
+          </a:xfrm>
+          <a:prstGeom prst="rect">
+            <a:avLst/>
+          </a:prstGeom>
+          <a:solidFill>
+            <a:schemeClr val="bg1"/>
+          </a:solidFill>
+          <a:ln>
+            <a:noFill/>
+          </a:ln>
+        </p:spPr>
+        <p:style>
+          <a:lnRef idx="2">
+            <a:schemeClr val="accent1">
+              <a:shade val="50000"/>
+            </a:schemeClr>
+          </a:lnRef>
+          <a:fillRef idx="1">
+            <a:schemeClr val="accent1"/>
+          </a:fillRef>
+          <a:effectRef idx="0">
+            <a:schemeClr val="accent1"/>
+          </a:effectRef>
+          <a:fontRef idx="minor">
+            <a:schemeClr val="lt1"/>
+          </a:fontRef>
+        </p:style>
+        <p:txBody>
+          <a:bodyPr rtlCol="0" anchor="ctr"/>
+          <a:lstStyle/>
+          <a:p>
+            <a:pPr algn="ctr"/>
+            <a:endParaRPr lang="en-US"/>
+          </a:p>
+        </p:txBody>
+      </p:sp>
+      <p:sp>
+        <p:nvSpPr>
+          <p:cNvPr id="12" name="Rechteck 11"/>
+          <p:cNvSpPr/>
+          <p:nvPr/>
+        </p:nvSpPr>
+        <p:spPr>
+          <a:xfrm>
+            <a:off x="7162800" y="4168588"/>
+            <a:ext cx="1205073" cy="1442764"/>
+          </a:xfrm>
+          <a:prstGeom prst="rect">
+            <a:avLst/>
+          </a:prstGeom>
+          <a:solidFill>
+            <a:schemeClr val="bg1"/>
+          </a:solidFill>
+          <a:ln>
+            <a:noFill/>
+          </a:ln>
+        </p:spPr>
+        <p:style>
+          <a:lnRef idx="2">
+            <a:schemeClr val="accent1">
+              <a:shade val="50000"/>
+            </a:schemeClr>
+          </a:lnRef>
+          <a:fillRef idx="1">
+            <a:schemeClr val="accent1"/>
+          </a:fillRef>
+          <a:effectRef idx="0">
+            <a:schemeClr val="accent1"/>
+          </a:effectRef>
+          <a:fontRef idx="minor">
+            <a:schemeClr val="lt1"/>
+          </a:fontRef>
+        </p:style>
+        <p:txBody>
+          <a:bodyPr rtlCol="0" anchor="ctr"/>
+          <a:lstStyle/>
+          <a:p>
+            <a:pPr algn="ctr"/>
+            <a:endParaRPr lang="en-US"/>
+          </a:p>
+        </p:txBody>
+      </p:sp>
+      <p:sp>
+        <p:nvSpPr>
+          <p:cNvPr id="10" name="Textfeld 9"/>
+          <p:cNvSpPr txBox="1"/>
+          <p:nvPr/>
+        </p:nvSpPr>
+        <p:spPr>
+          <a:xfrm>
+            <a:off x="6363393" y="4347720"/>
+            <a:ext cx="1579418" cy="1261884"/>
+          </a:xfrm>
+          <a:prstGeom prst="rect">
+            <a:avLst/>
+          </a:prstGeom>
+          <a:noFill/>
+        </p:spPr>
+        <p:txBody>
+          <a:bodyPr wrap="square" rtlCol="0">
+            <a:spAutoFit/>
+          </a:bodyPr>
+          <a:lstStyle/>
+          <a:p>
+            <a:r>
+              <a:rPr lang="en-US" sz="950" b="1" dirty="0" smtClean="0">
+                <a:latin typeface="Helvetica" pitchFamily="2" charset="0"/>
+              </a:rPr>
+              <a:t>FDG-PET BAG</a:t>
+            </a:r>
+          </a:p>
+          <a:p>
+            <a:r>
+              <a:rPr lang="en-US" sz="950" b="1" dirty="0" smtClean="0">
+                <a:latin typeface="Helvetica" pitchFamily="2" charset="0"/>
+              </a:rPr>
+              <a:t>MRI BAG</a:t>
+            </a:r>
+          </a:p>
+          <a:p>
+            <a:r>
+              <a:rPr lang="en-US" sz="950" b="1" dirty="0" smtClean="0">
+                <a:latin typeface="Helvetica" pitchFamily="2" charset="0"/>
+              </a:rPr>
+              <a:t>Hippocampus GMV</a:t>
+            </a:r>
+          </a:p>
+          <a:p>
+            <a:r>
+              <a:rPr lang="en-US" sz="950" b="1" dirty="0" smtClean="0">
+                <a:latin typeface="Helvetica" pitchFamily="2" charset="0"/>
+              </a:rPr>
+              <a:t>AV45-PET </a:t>
+            </a:r>
+          </a:p>
+          <a:p>
+            <a:r>
+              <a:rPr lang="en-US" sz="950" b="1" dirty="0" smtClean="0">
+                <a:latin typeface="Helvetica" pitchFamily="2" charset="0"/>
+              </a:rPr>
+              <a:t>Precuneus SUVR</a:t>
+            </a:r>
+          </a:p>
+          <a:p>
+            <a:r>
+              <a:rPr lang="en-US" sz="950" b="1" dirty="0" smtClean="0">
+                <a:latin typeface="Helvetica" pitchFamily="2" charset="0"/>
+              </a:rPr>
+              <a:t>p-tau</a:t>
+            </a:r>
+            <a:r>
+              <a:rPr lang="en-US" sz="950" b="1" baseline="-25000" dirty="0" smtClean="0">
+                <a:latin typeface="Helvetica" pitchFamily="2" charset="0"/>
+              </a:rPr>
+              <a:t>181</a:t>
+            </a:r>
+            <a:r>
+              <a:rPr lang="en-US" sz="950" b="1" dirty="0" smtClean="0">
+                <a:latin typeface="Helvetica" pitchFamily="2" charset="0"/>
+              </a:rPr>
+              <a:t>/A</a:t>
+            </a:r>
+            <a:r>
+              <a:rPr lang="el-GR" sz="950" b="1" dirty="0" smtClean="0">
+                <a:latin typeface="Helvetica" pitchFamily="2" charset="0"/>
+              </a:rPr>
+              <a:t>β</a:t>
+            </a:r>
+            <a:r>
+              <a:rPr lang="de-DE" sz="950" b="1" baseline="-25000" dirty="0" smtClean="0">
+                <a:latin typeface="Helvetica" pitchFamily="2" charset="0"/>
+              </a:rPr>
+              <a:t>1-42</a:t>
+            </a:r>
+            <a:r>
+              <a:rPr lang="de-DE" sz="950" b="1" dirty="0" smtClean="0">
+                <a:latin typeface="Helvetica" pitchFamily="2" charset="0"/>
+              </a:rPr>
+              <a:t> </a:t>
+            </a:r>
+            <a:r>
+              <a:rPr lang="de-DE" sz="950" b="1" dirty="0" err="1" smtClean="0">
+                <a:latin typeface="Helvetica" pitchFamily="2" charset="0"/>
+              </a:rPr>
+              <a:t>ratio</a:t>
+            </a:r>
+            <a:endParaRPr lang="en-US" sz="950" b="1" dirty="0" smtClean="0">
+              <a:latin typeface="Helvetica" pitchFamily="2" charset="0"/>
+            </a:endParaRPr>
+          </a:p>
+          <a:p>
+            <a:r>
+              <a:rPr lang="en-US" sz="950" b="1" dirty="0" smtClean="0">
+                <a:latin typeface="Helvetica" pitchFamily="2" charset="0"/>
+              </a:rPr>
+              <a:t>MMSE</a:t>
+            </a:r>
+          </a:p>
+          <a:p>
+            <a:r>
+              <a:rPr lang="en-US" sz="950" b="1" dirty="0" smtClean="0">
+                <a:latin typeface="Helvetica" pitchFamily="2" charset="0"/>
+              </a:rPr>
+              <a:t>age</a:t>
+            </a:r>
+            <a:endParaRPr lang="en-US" sz="950" b="1" dirty="0">
+              <a:latin typeface="Helvetica" pitchFamily="2" charset="0"/>
+            </a:endParaRPr>
+          </a:p>
+        </p:txBody>
+      </p:sp>
+      <p:sp>
+        <p:nvSpPr>
+          <p:cNvPr id="14" name="Abgerundetes Rechteck 13"/>
+          <p:cNvSpPr/>
+          <p:nvPr/>
+        </p:nvSpPr>
+        <p:spPr>
+          <a:xfrm>
+            <a:off x="6076540" y="4393275"/>
+            <a:ext cx="2064718" cy="1188000"/>
+          </a:xfrm>
+          <a:prstGeom prst="roundRect">
+            <a:avLst>
+              <a:gd name="adj" fmla="val 1823"/>
+            </a:avLst>
+          </a:prstGeom>
+          <a:noFill/>
+          <a:ln w="19050">
+            <a:solidFill>
+              <a:schemeClr val="bg1">
+                <a:lumMod val="85000"/>
+              </a:schemeClr>
+            </a:solidFill>
+          </a:ln>
+        </p:spPr>
+        <p:style>
+          <a:lnRef idx="2">
+            <a:schemeClr val="accent1">
+              <a:shade val="50000"/>
+            </a:schemeClr>
+          </a:lnRef>
+          <a:fillRef idx="1">
+            <a:schemeClr val="accent1"/>
+          </a:fillRef>
+          <a:effectRef idx="0">
+            <a:schemeClr val="accent1"/>
+          </a:effectRef>
+          <a:fontRef idx="minor">
+            <a:schemeClr val="lt1"/>
+          </a:fontRef>
+        </p:style>
+        <p:txBody>
+          <a:bodyPr rtlCol="0" anchor="ctr"/>
+          <a:lstStyle/>
+          <a:p>
+            <a:pPr algn="ctr"/>
+            <a:endParaRPr lang="en-US"/>
+          </a:p>
+        </p:txBody>
+      </p:sp>
+    </p:spTree>
+    <p:extLst>
+      <p:ext uri="{BB962C8B-B14F-4D97-AF65-F5344CB8AC3E}">
+        <p14:creationId xmlns:p14="http://schemas.microsoft.com/office/powerpoint/2010/main" val="3239343074"/>
+      </p:ext>
+    </p:extLst>
+  </p:cSld>
+  <p:clrMapOvr>
+    <a:masterClrMapping/>
+  </p:clrMapOvr>
+</p:sld>
+</file>
+
+<file path=ppt/slides/slide14.xml><?xml version="1.0" encoding="utf-8"?>
+<p:sld xmlns:a="http://schemas.openxmlformats.org/drawingml/2006/main" xmlns:r="http://schemas.openxmlformats.org/officeDocument/2006/relationships" xmlns:p="http://schemas.openxmlformats.org/presentationml/2006/main">
+  <p:cSld>
+    <p:spTree>
+      <p:nvGrpSpPr>
+        <p:cNvPr id="1" name=""/>
+        <p:cNvGrpSpPr/>
+        <p:nvPr/>
+      </p:nvGrpSpPr>
+      <p:grpSpPr>
+        <a:xfrm>
+          <a:off x="0" y="0"/>
+          <a:ext cx="0" cy="0"/>
+          <a:chOff x="0" y="0"/>
+          <a:chExt cx="0" cy="0"/>
+        </a:xfrm>
+      </p:grpSpPr>
+      <p:sp>
+        <p:nvSpPr>
+          <p:cNvPr id="4" name="Titel 3"/>
+          <p:cNvSpPr>
+            <a:spLocks noGrp="1"/>
+          </p:cNvSpPr>
+          <p:nvPr>
+            <p:ph type="title"/>
+          </p:nvPr>
+        </p:nvSpPr>
+        <p:spPr/>
+        <p:txBody>
+          <a:bodyPr/>
+          <a:lstStyle/>
+          <a:p>
+            <a:pPr algn="ctr"/>
+            <a:r>
+              <a:rPr lang="en-US" dirty="0" smtClean="0"/>
+              <a:t>MCI</a:t>
+            </a:r>
+            <a:endParaRPr lang="en-US" dirty="0"/>
+          </a:p>
+        </p:txBody>
+      </p:sp>
+      <p:sp>
+        <p:nvSpPr>
+          <p:cNvPr id="5" name="Textplatzhalter 4"/>
+          <p:cNvSpPr>
+            <a:spLocks noGrp="1"/>
+          </p:cNvSpPr>
+          <p:nvPr>
+            <p:ph type="body" idx="1"/>
+          </p:nvPr>
+        </p:nvSpPr>
+        <p:spPr/>
+        <p:txBody>
+          <a:bodyPr/>
+          <a:lstStyle/>
+          <a:p>
+            <a:endParaRPr lang="en-US"/>
+          </a:p>
+        </p:txBody>
+      </p:sp>
+    </p:spTree>
+    <p:extLst>
+      <p:ext uri="{BB962C8B-B14F-4D97-AF65-F5344CB8AC3E}">
+        <p14:creationId xmlns:p14="http://schemas.microsoft.com/office/powerpoint/2010/main" val="202631421"/>
+      </p:ext>
+    </p:extLst>
+  </p:cSld>
+  <p:clrMapOvr>
+    <a:masterClrMapping/>
+  </p:clrMapOvr>
+</p:sld>
+</file>
+
+<file path=ppt/slides/slide15.xml><?xml version="1.0" encoding="utf-8"?>
+<p:sld xmlns:a="http://schemas.openxmlformats.org/drawingml/2006/main" xmlns:r="http://schemas.openxmlformats.org/officeDocument/2006/relationships" xmlns:p="http://schemas.openxmlformats.org/presentationml/2006/main">
+  <p:cSld>
+    <p:spTree>
+      <p:nvGrpSpPr>
+        <p:cNvPr id="1" name=""/>
+        <p:cNvGrpSpPr/>
+        <p:nvPr/>
+      </p:nvGrpSpPr>
+      <p:grpSpPr>
+        <a:xfrm>
+          <a:off x="0" y="0"/>
+          <a:ext cx="0" cy="0"/>
+          <a:chOff x="0" y="0"/>
+          <a:chExt cx="0" cy="0"/>
+        </a:xfrm>
+      </p:grpSpPr>
+      <p:sp>
+        <p:nvSpPr>
+          <p:cNvPr id="2" name="Titel 1"/>
+          <p:cNvSpPr>
+            <a:spLocks noGrp="1"/>
+          </p:cNvSpPr>
+          <p:nvPr>
+            <p:ph type="title"/>
+          </p:nvPr>
+        </p:nvSpPr>
         <p:spPr>
           <a:xfrm>
             <a:off x="1725706" y="-172755"/>
@@ -4201,7 +5525,7 @@
 </p:sld>
 </file>
 
-<file path=ppt/slides/slide11.xml><?xml version="1.0" encoding="utf-8"?>
+<file path=ppt/slides/slide16.xml><?xml version="1.0" encoding="utf-8"?>
 <p:sld xmlns:a="http://schemas.openxmlformats.org/drawingml/2006/main" xmlns:r="http://schemas.openxmlformats.org/officeDocument/2006/relationships" xmlns:p="http://schemas.openxmlformats.org/presentationml/2006/main">
   <p:cSld>
     <p:spTree>
@@ -4610,11 +5934,6 @@
               </a:rPr>
               <a:t>0.000702</a:t>
             </a:r>
-            <a:endParaRPr lang="en-US" sz="1000" b="1" dirty="0">
-              <a:solidFill>
-                <a:srgbClr val="FF0000"/>
-              </a:solidFill>
-            </a:endParaRPr>
           </a:p>
         </p:txBody>
       </p:sp>
@@ -4982,7 +6301,7 @@
 </p:sld>
 </file>
 
-<file path=ppt/slides/slide12.xml><?xml version="1.0" encoding="utf-8"?>
+<file path=ppt/slides/slide17.xml><?xml version="1.0" encoding="utf-8"?>
 <p:sld xmlns:a="http://schemas.openxmlformats.org/drawingml/2006/main" xmlns:r="http://schemas.openxmlformats.org/officeDocument/2006/relationships" xmlns:p="http://schemas.openxmlformats.org/presentationml/2006/main">
   <p:cSld>
     <p:spTree>
@@ -5244,7 +6563,7 @@
 </p:sld>
 </file>
 
-<file path=ppt/slides/slide13.xml><?xml version="1.0" encoding="utf-8"?>
+<file path=ppt/slides/slide18.xml><?xml version="1.0" encoding="utf-8"?>
 <p:sld xmlns:a="http://schemas.openxmlformats.org/drawingml/2006/main" xmlns:r="http://schemas.openxmlformats.org/officeDocument/2006/relationships" xmlns:p="http://schemas.openxmlformats.org/presentationml/2006/main">
   <p:cSld>
     <p:spTree>
@@ -5816,13 +7135,7 @@
               <a:rPr lang="en-US" sz="1100" dirty="0" smtClean="0">
                 <a:latin typeface="Helvetica" pitchFamily="2" charset="0"/>
               </a:rPr>
-              <a:t>p </a:t>
-            </a:r>
-            <a:r>
-              <a:rPr lang="en-US" sz="1100" dirty="0" smtClean="0">
-                <a:latin typeface="Helvetica" pitchFamily="2" charset="0"/>
-              </a:rPr>
-              <a:t>&lt; .001</a:t>
+              <a:t>p &lt; .001</a:t>
             </a:r>
             <a:endParaRPr lang="en-US" sz="1100" dirty="0">
               <a:latin typeface="Helvetica" pitchFamily="2" charset="0"/>
@@ -5956,7 +7269,7 @@
 </p:sld>
 </file>
 
-<file path=ppt/slides/slide14.xml><?xml version="1.0" encoding="utf-8"?>
+<file path=ppt/slides/slide19.xml><?xml version="1.0" encoding="utf-8"?>
 <p:sld xmlns:a="http://schemas.openxmlformats.org/drawingml/2006/main" xmlns:r="http://schemas.openxmlformats.org/officeDocument/2006/relationships" xmlns:p="http://schemas.openxmlformats.org/presentationml/2006/main">
   <p:cSld>
     <p:spTree>
@@ -6608,7 +7921,7 @@
             <a:pPr algn="ctr"/>
             <a:r>
               <a:rPr lang="en-US" dirty="0" smtClean="0"/>
-              <a:t>CU</a:t>
+              <a:t>CN</a:t>
             </a:r>
             <a:endParaRPr lang="en-US" dirty="0"/>
           </a:p>
@@ -6665,7 +7978,7 @@
       </p:grpSpPr>
       <p:sp>
         <p:nvSpPr>
-          <p:cNvPr id="4" name="Titel 3"/>
+          <p:cNvPr id="2" name="Titel 1"/>
           <p:cNvSpPr>
             <a:spLocks noGrp="1"/>
           </p:cNvSpPr>
@@ -6688,21 +8001,21 @@
       </p:sp>
       <p:sp>
         <p:nvSpPr>
-          <p:cNvPr id="6" name="Rechteck 5"/>
+          <p:cNvPr id="3" name="Rechteck 2"/>
           <p:cNvSpPr/>
           <p:nvPr/>
         </p:nvSpPr>
         <p:spPr>
           <a:xfrm>
-            <a:off x="838200" y="2208266"/>
-            <a:ext cx="6096000" cy="2246769"/>
+            <a:off x="1488141" y="2190338"/>
+            <a:ext cx="3092824" cy="2246769"/>
           </a:xfrm>
           <a:prstGeom prst="rect">
             <a:avLst/>
           </a:prstGeom>
         </p:spPr>
         <p:txBody>
-          <a:bodyPr>
+          <a:bodyPr wrap="square">
             <a:spAutoFit/>
           </a:bodyPr>
           <a:lstStyle/>
@@ -6714,14 +8027,37 @@
           </a:p>
           <a:p>
             <a:r>
-              <a:rPr lang="en-US" sz="1000" dirty="0"/>
+              <a:rPr lang="en-US" sz="1000" b="1" dirty="0"/>
               <a:t>FDG-PET BAG</a:t>
             </a:r>
           </a:p>
           <a:p>
             <a:r>
-              <a:rPr lang="en-US" sz="1000" dirty="0"/>
-              <a:t>           n         r          CI95%     p-</a:t>
+              <a:rPr lang="en-US" sz="1000" b="1" dirty="0"/>
+              <a:t>           n         r         CI95%     p-</a:t>
+            </a:r>
+            <a:r>
+              <a:rPr lang="en-US" sz="1000" b="1" dirty="0" err="1"/>
+              <a:t>val</a:t>
+            </a:r>
+            <a:endParaRPr lang="en-US" sz="1000" b="1" dirty="0"/>
+          </a:p>
+          <a:p>
+            <a:r>
+              <a:rPr lang="en-US" sz="1000" b="1" dirty="0"/>
+              <a:t>pearson  154  0.151275  [-0.01, 0.3]  0.064619</a:t>
+            </a:r>
+          </a:p>
+          <a:p>
+            <a:r>
+              <a:rPr lang="en-US" sz="1000" dirty="0"/>
+              <a:t>MRI BAG: </a:t>
+            </a:r>
+          </a:p>
+          <a:p>
+            <a:r>
+              <a:rPr lang="en-US" sz="1000" dirty="0"/>
+              <a:t>           n         r         CI95%     p-</a:t>
             </a:r>
             <a:r>
               <a:rPr lang="en-US" sz="1000" dirty="0" err="1"/>
@@ -6732,19 +8068,25 @@
           <a:p>
             <a:r>
               <a:rPr lang="en-US" sz="1000" dirty="0"/>
-              <a:t>pearson  237  0.012923  [-0.12, 0.14]  0.844115</a:t>
-            </a:r>
-          </a:p>
-          <a:p>
-            <a:r>
-              <a:rPr lang="en-US" sz="1000" dirty="0"/>
-              <a:t>MRI BAG: </a:t>
-            </a:r>
-          </a:p>
-          <a:p>
-            <a:r>
-              <a:rPr lang="en-US" sz="1000" dirty="0"/>
-              <a:t>           n        r          CI95%     p-</a:t>
+              <a:t>pearson  154  0.040693  [-0.12, 0.2]  0.621013</a:t>
+            </a:r>
+          </a:p>
+          <a:p>
+            <a:r>
+              <a:rPr lang="en-US" sz="1000" dirty="0"/>
+              <a:t>ADNI_MEM</a:t>
+            </a:r>
+          </a:p>
+          <a:p>
+            <a:r>
+              <a:rPr lang="en-US" sz="1000" dirty="0"/>
+              <a:t>FDG-PET BAG</a:t>
+            </a:r>
+          </a:p>
+          <a:p>
+            <a:r>
+              <a:rPr lang="en-US" sz="1000" dirty="0"/>
+              <a:t>           n         r          CI95%     p-</a:t>
             </a:r>
             <a:r>
               <a:rPr lang="en-US" sz="1000" dirty="0" err="1"/>
@@ -6755,19 +8097,13 @@
           <a:p>
             <a:r>
               <a:rPr lang="en-US" sz="1000" dirty="0"/>
-              <a:t>pearson  237  0.03708  [-0.09, 0.16]  0.572505</a:t>
-            </a:r>
-          </a:p>
-          <a:p>
-            <a:r>
-              <a:rPr lang="en-US" sz="1000" dirty="0"/>
-              <a:t>ADNI_MEM</a:t>
-            </a:r>
-          </a:p>
-          <a:p>
-            <a:r>
-              <a:rPr lang="en-US" sz="1000" dirty="0"/>
-              <a:t>FDG-PET BAG</a:t>
+              <a:t>pearson  154  0.087426  [-0.07, 0.24]  0.287407</a:t>
+            </a:r>
+          </a:p>
+          <a:p>
+            <a:r>
+              <a:rPr lang="en-US" sz="1000" dirty="0"/>
+              <a:t>MRI BAG: </a:t>
             </a:r>
           </a:p>
           <a:p>
@@ -6784,56 +8120,33 @@
           <a:p>
             <a:r>
               <a:rPr lang="en-US" sz="1000" dirty="0"/>
-              <a:t>pearson  237 -0.014314  [-0.14, 0.11]  0.827588</a:t>
-            </a:r>
-          </a:p>
-          <a:p>
-            <a:r>
-              <a:rPr lang="en-US" sz="1000" dirty="0"/>
-              <a:t>MRI BAG: </a:t>
-            </a:r>
-          </a:p>
-          <a:p>
-            <a:r>
-              <a:rPr lang="en-US" sz="1000" dirty="0"/>
-              <a:t>           n         r         CI95%     p-</a:t>
-            </a:r>
-            <a:r>
-              <a:rPr lang="en-US" sz="1000" dirty="0" err="1"/>
-              <a:t>val</a:t>
+              <a:t>pearson  154  0.019276  [-0.14, 0.18]  </a:t>
+            </a:r>
+            <a:r>
+              <a:rPr lang="en-US" sz="1000" dirty="0" smtClean="0"/>
+              <a:t>0.814882</a:t>
             </a:r>
             <a:endParaRPr lang="en-US" sz="1000" dirty="0"/>
           </a:p>
-          <a:p>
-            <a:r>
-              <a:rPr lang="en-US" sz="1000" dirty="0"/>
-              <a:t>pearson  237 -0.023679  [-0.15, 0.1]  </a:t>
-            </a:r>
-            <a:r>
-              <a:rPr lang="en-US" sz="1000" dirty="0" smtClean="0"/>
-              <a:t>0.718605</a:t>
-            </a:r>
-            <a:endParaRPr lang="en-US" sz="1000" dirty="0"/>
-          </a:p>
-        </p:txBody>
-      </p:sp>
-      <p:sp>
-        <p:nvSpPr>
-          <p:cNvPr id="7" name="Rechteck 6"/>
+        </p:txBody>
+      </p:sp>
+      <p:sp>
+        <p:nvSpPr>
+          <p:cNvPr id="4" name="Rechteck 3"/>
           <p:cNvSpPr/>
           <p:nvPr/>
         </p:nvSpPr>
         <p:spPr>
           <a:xfrm>
-            <a:off x="5154706" y="592438"/>
-            <a:ext cx="6096000" cy="5478423"/>
+            <a:off x="6893859" y="574510"/>
+            <a:ext cx="2940423" cy="5478423"/>
           </a:xfrm>
           <a:prstGeom prst="rect">
             <a:avLst/>
           </a:prstGeom>
         </p:spPr>
         <p:txBody>
-          <a:bodyPr>
+          <a:bodyPr wrap="square">
             <a:spAutoFit/>
           </a:bodyPr>
           <a:lstStyle/>
@@ -6852,7 +8165,7 @@
           <a:p>
             <a:r>
               <a:rPr lang="en-US" sz="1000" dirty="0"/>
-              <a:t>            n         r         CI95%    p-</a:t>
+              <a:t>            n         r          CI95%     p-</a:t>
             </a:r>
             <a:r>
               <a:rPr lang="en-US" sz="1000" dirty="0" err="1"/>
@@ -6863,7 +8176,7 @@
           <a:p>
             <a:r>
               <a:rPr lang="en-US" sz="1000" dirty="0"/>
-              <a:t>spearman  230  0.071075  [-0.06, 0.2]  0.28737</a:t>
+              <a:t>spearman  148  0.016402  [-0.15, 0.18]  0.845294</a:t>
             </a:r>
           </a:p>
           <a:p>
@@ -6875,7 +8188,7 @@
           <a:p>
             <a:r>
               <a:rPr lang="en-US" sz="1000" dirty="0"/>
-              <a:t>            n         r         CI95%     p-</a:t>
+              <a:t>            n         r          CI95%     p-</a:t>
             </a:r>
             <a:r>
               <a:rPr lang="en-US" sz="1000" dirty="0" err="1"/>
@@ -6886,7 +8199,7 @@
           <a:p>
             <a:r>
               <a:rPr lang="en-US" sz="1000" dirty="0"/>
-              <a:t>spearman  230 -0.026349  [-0.16, 0.1]  0.693594</a:t>
+              <a:t>spearman  148 -0.018553  [-0.18, 0.15]  0.825319</a:t>
             </a:r>
           </a:p>
           <a:p>
@@ -6897,42 +8210,14 @@
           </a:p>
           <a:p>
             <a:r>
-              <a:rPr lang="en-US" sz="1000" b="1" dirty="0"/>
+              <a:rPr lang="en-US" sz="1000" dirty="0"/>
               <a:t>FDG-PET BAG</a:t>
             </a:r>
           </a:p>
           <a:p>
             <a:r>
-              <a:rPr lang="en-US" sz="1000" b="1" dirty="0"/>
-              <a:t>            n         r           CI95%     p-</a:t>
-            </a:r>
-            <a:r>
-              <a:rPr lang="en-US" sz="1000" b="1" dirty="0" err="1"/>
-              <a:t>val</a:t>
-            </a:r>
-            <a:endParaRPr lang="en-US" sz="1000" b="1" dirty="0"/>
-          </a:p>
-          <a:p>
-            <a:r>
-              <a:rPr lang="en-US" sz="1000" b="1" dirty="0"/>
-              <a:t>spearman  210 -0.155491  [-0.29, -0.02]  </a:t>
-            </a:r>
-            <a:r>
-              <a:rPr lang="en-US" sz="1000" b="1" dirty="0" smtClean="0"/>
-              <a:t>0.025633 *</a:t>
-            </a:r>
-            <a:endParaRPr lang="en-US" sz="1000" b="1" dirty="0"/>
-          </a:p>
-          <a:p>
-            <a:r>
-              <a:rPr lang="en-US" sz="1000" dirty="0"/>
-              <a:t>MRI BAG: </a:t>
-            </a:r>
-          </a:p>
-          <a:p>
-            <a:r>
-              <a:rPr lang="en-US" sz="1000" dirty="0"/>
-              <a:t>            n         r         CI95%     p-</a:t>
+              <a:rPr lang="en-US" sz="1000" dirty="0"/>
+              <a:t>            n         r          CI95%    p-</a:t>
             </a:r>
             <a:r>
               <a:rPr lang="en-US" sz="1000" dirty="0" err="1"/>
@@ -6943,25 +8228,19 @@
           <a:p>
             <a:r>
               <a:rPr lang="en-US" sz="1000" dirty="0"/>
-              <a:t>spearman  210 -0.034029  [-0.17, 0.1]  0.627265</a:t>
-            </a:r>
-          </a:p>
-          <a:p>
-            <a:r>
-              <a:rPr lang="en-US" sz="1000" dirty="0"/>
-              <a:t>TAU</a:t>
-            </a:r>
-          </a:p>
-          <a:p>
-            <a:r>
-              <a:rPr lang="en-US" sz="1000" dirty="0"/>
-              <a:t>FDG-PET BAG</a:t>
-            </a:r>
-          </a:p>
-          <a:p>
-            <a:r>
-              <a:rPr lang="en-US" sz="1000" dirty="0"/>
-              <a:t>            n       r          CI95%     p-</a:t>
+              <a:t>spearman  133 -0.105892  [-0.27, 0.07]  0.23234</a:t>
+            </a:r>
+          </a:p>
+          <a:p>
+            <a:r>
+              <a:rPr lang="en-US" sz="1000" dirty="0"/>
+              <a:t>MRI BAG: </a:t>
+            </a:r>
+          </a:p>
+          <a:p>
+            <a:r>
+              <a:rPr lang="en-US" sz="1000" dirty="0"/>
+              <a:t>            n         r         CI95%     p-</a:t>
             </a:r>
             <a:r>
               <a:rPr lang="en-US" sz="1000" dirty="0" err="1"/>
@@ -6972,19 +8251,25 @@
           <a:p>
             <a:r>
               <a:rPr lang="en-US" sz="1000" dirty="0"/>
-              <a:t>spearman  210 -0.0445  [-0.18, 0.09]  0.525348</a:t>
-            </a:r>
-          </a:p>
-          <a:p>
-            <a:r>
-              <a:rPr lang="en-US" sz="1000" dirty="0"/>
-              <a:t>MRI BAG: </a:t>
-            </a:r>
-          </a:p>
-          <a:p>
-            <a:r>
-              <a:rPr lang="en-US" sz="1000" dirty="0"/>
-              <a:t>            n         r         CI95%     p-</a:t>
+              <a:t>spearman  133  0.027109  [-0.15, 0.2]  0.760397</a:t>
+            </a:r>
+          </a:p>
+          <a:p>
+            <a:r>
+              <a:rPr lang="en-US" sz="1000" dirty="0"/>
+              <a:t>TAU</a:t>
+            </a:r>
+          </a:p>
+          <a:p>
+            <a:r>
+              <a:rPr lang="en-US" sz="1000" dirty="0"/>
+              <a:t>FDG-PET BAG</a:t>
+            </a:r>
+          </a:p>
+          <a:p>
+            <a:r>
+              <a:rPr lang="en-US" sz="1000" dirty="0"/>
+              <a:t>            n         r          CI95%     p-</a:t>
             </a:r>
             <a:r>
               <a:rPr lang="en-US" sz="1000" dirty="0" err="1"/>
@@ -6995,25 +8280,19 @@
           <a:p>
             <a:r>
               <a:rPr lang="en-US" sz="1000" dirty="0"/>
-              <a:t>spearman  210 -0.032743  [-0.17, 0.1]  0.640342</a:t>
-            </a:r>
-          </a:p>
-          <a:p>
-            <a:r>
-              <a:rPr lang="en-US" sz="1000" dirty="0"/>
-              <a:t>PTAU</a:t>
-            </a:r>
-          </a:p>
-          <a:p>
-            <a:r>
-              <a:rPr lang="en-US" sz="1000" dirty="0"/>
-              <a:t>FDG-PET BAG</a:t>
-            </a:r>
-          </a:p>
-          <a:p>
-            <a:r>
-              <a:rPr lang="en-US" sz="1000" dirty="0"/>
-              <a:t>            n         r          CI95%     p-</a:t>
+              <a:t>spearman  133  0.037381  [-0.14, 0.21]  0.674063</a:t>
+            </a:r>
+          </a:p>
+          <a:p>
+            <a:r>
+              <a:rPr lang="en-US" sz="1000" dirty="0"/>
+              <a:t>MRI BAG: </a:t>
+            </a:r>
+          </a:p>
+          <a:p>
+            <a:r>
+              <a:rPr lang="en-US" sz="1000" dirty="0"/>
+              <a:t>            n        r         CI95%     p-</a:t>
             </a:r>
             <a:r>
               <a:rPr lang="en-US" sz="1000" dirty="0" err="1"/>
@@ -7024,19 +8303,25 @@
           <a:p>
             <a:r>
               <a:rPr lang="en-US" sz="1000" dirty="0"/>
-              <a:t>spearman  209 -0.053813  [-0.19, 0.08]  0.443483</a:t>
-            </a:r>
-          </a:p>
-          <a:p>
-            <a:r>
-              <a:rPr lang="en-US" sz="1000" dirty="0"/>
-              <a:t>MRI BAG: </a:t>
-            </a:r>
-          </a:p>
-          <a:p>
-            <a:r>
-              <a:rPr lang="en-US" sz="1000" dirty="0"/>
-              <a:t>            n         r          CI95%     p-</a:t>
+              <a:t>spearman  133  0.07322  [-0.1, 0.24]  0.409579</a:t>
+            </a:r>
+          </a:p>
+          <a:p>
+            <a:r>
+              <a:rPr lang="en-US" sz="1000" dirty="0"/>
+              <a:t>PTAU</a:t>
+            </a:r>
+          </a:p>
+          <a:p>
+            <a:r>
+              <a:rPr lang="en-US" sz="1000" dirty="0"/>
+              <a:t>FDG-PET BAG</a:t>
+            </a:r>
+          </a:p>
+          <a:p>
+            <a:r>
+              <a:rPr lang="en-US" sz="1000" dirty="0"/>
+              <a:t>            n         r         CI95%     p-</a:t>
             </a:r>
             <a:r>
               <a:rPr lang="en-US" sz="1000" dirty="0" err="1"/>
@@ -7047,42 +8332,8 @@
           <a:p>
             <a:r>
               <a:rPr lang="en-US" sz="1000" dirty="0"/>
-              <a:t>spearman  209 -0.029502  [-0.17, 0.11]  0.674554</a:t>
-            </a:r>
-          </a:p>
-          <a:p>
-            <a:r>
-              <a:rPr lang="en-US" sz="1000" dirty="0"/>
-              <a:t>PTAU.ABETA42</a:t>
-            </a:r>
-          </a:p>
-          <a:p>
-            <a:r>
-              <a:rPr lang="en-US" sz="1000" b="1" dirty="0"/>
-              <a:t>FDG-PET BAG</a:t>
-            </a:r>
-          </a:p>
-          <a:p>
-            <a:r>
-              <a:rPr lang="en-US" sz="1000" b="1" dirty="0"/>
-              <a:t>            n         r          CI95%     p-</a:t>
-            </a:r>
-            <a:r>
-              <a:rPr lang="en-US" sz="1000" b="1" dirty="0" err="1"/>
-              <a:t>val</a:t>
-            </a:r>
-            <a:endParaRPr lang="en-US" sz="1000" b="1" dirty="0"/>
-          </a:p>
-          <a:p>
-            <a:r>
-              <a:rPr lang="en-US" sz="1000" b="1" dirty="0"/>
-              <a:t>spearman  209  0.120105  [-0.02, 0.25]  </a:t>
-            </a:r>
-            <a:r>
-              <a:rPr lang="en-US" sz="1000" b="1" dirty="0" smtClean="0"/>
-              <a:t>0.086283 +</a:t>
-            </a:r>
-            <a:endParaRPr lang="en-US" sz="1000" b="1" dirty="0"/>
+              <a:t>spearman  132  0.031787  [-0.14, 0.2]  0.721695</a:t>
+            </a:r>
           </a:p>
           <a:p>
             <a:r>
@@ -7104,7 +8355,59 @@
           <a:p>
             <a:r>
               <a:rPr lang="en-US" sz="1000" dirty="0"/>
-              <a:t>spearman  209 -0.000642  [-0.14, 0.14]  0.992709</a:t>
+              <a:t>spearman  132  0.092782  [-0.08, 0.26]  0.297567</a:t>
+            </a:r>
+          </a:p>
+          <a:p>
+            <a:r>
+              <a:rPr lang="en-US" sz="1000" dirty="0"/>
+              <a:t>PTAU.ABETA42</a:t>
+            </a:r>
+          </a:p>
+          <a:p>
+            <a:r>
+              <a:rPr lang="en-US" sz="1000" dirty="0"/>
+              <a:t>FDG-PET BAG</a:t>
+            </a:r>
+          </a:p>
+          <a:p>
+            <a:r>
+              <a:rPr lang="en-US" sz="1000" dirty="0"/>
+              <a:t>            n        r         CI95%     p-</a:t>
+            </a:r>
+            <a:r>
+              <a:rPr lang="en-US" sz="1000" dirty="0" err="1"/>
+              <a:t>val</a:t>
+            </a:r>
+            <a:endParaRPr lang="en-US" sz="1000" dirty="0"/>
+          </a:p>
+          <a:p>
+            <a:r>
+              <a:rPr lang="en-US" sz="1000" dirty="0"/>
+              <a:t>spearman  132  0.13024  [-0.04, 0.3]  0.142843</a:t>
+            </a:r>
+          </a:p>
+          <a:p>
+            <a:r>
+              <a:rPr lang="en-US" sz="1000" dirty="0"/>
+              <a:t>MRI BAG: </a:t>
+            </a:r>
+          </a:p>
+          <a:p>
+            <a:r>
+              <a:rPr lang="en-US" sz="1000" dirty="0"/>
+              <a:t>            n         r          CI95%     p-</a:t>
+            </a:r>
+            <a:r>
+              <a:rPr lang="en-US" sz="1000" dirty="0" err="1"/>
+              <a:t>val</a:t>
+            </a:r>
+            <a:endParaRPr lang="en-US" sz="1000" dirty="0"/>
+          </a:p>
+          <a:p>
+            <a:r>
+              <a:rPr lang="en-US" sz="1000" dirty="0"/>
+              <a:t>spearman  132  0.008632  [-0.17, 0.18]  0.922964</a:t>
             </a:r>
             <a:endParaRPr lang="en-US" sz="1000" dirty="0"/>
           </a:p>
@@ -7113,7 +8416,7 @@
     </p:spTree>
     <p:extLst>
       <p:ext uri="{BB962C8B-B14F-4D97-AF65-F5344CB8AC3E}">
-        <p14:creationId xmlns:p14="http://schemas.microsoft.com/office/powerpoint/2010/main" val="438679269"/>
+        <p14:creationId xmlns:p14="http://schemas.microsoft.com/office/powerpoint/2010/main" val="1107449730"/>
       </p:ext>
     </p:extLst>
   </p:cSld>
@@ -7142,7 +8445,7 @@
       </p:grpSpPr>
       <p:sp>
         <p:nvSpPr>
-          <p:cNvPr id="2" name="Titel 1"/>
+          <p:cNvPr id="4" name="Titel 3"/>
           <p:cNvSpPr>
             <a:spLocks noGrp="1"/>
           </p:cNvSpPr>
@@ -7155,9 +8458,10 @@
           <a:bodyPr/>
           <a:lstStyle/>
           <a:p>
+            <a:pPr algn="ctr"/>
             <a:r>
               <a:rPr lang="en-US" dirty="0" smtClean="0"/>
-              <a:t>Cognitive Outcome</a:t>
+              <a:t>SCD</a:t>
             </a:r>
             <a:endParaRPr lang="en-US" dirty="0"/>
           </a:p>
@@ -7165,552 +8469,27 @@
       </p:sp>
       <p:sp>
         <p:nvSpPr>
-          <p:cNvPr id="3" name="Rechteck 2"/>
-          <p:cNvSpPr/>
-          <p:nvPr/>
-        </p:nvSpPr>
-        <p:spPr>
-          <a:xfrm>
-            <a:off x="8068236" y="468796"/>
-            <a:ext cx="6096000" cy="6247864"/>
-          </a:xfrm>
-          <a:prstGeom prst="rect">
-            <a:avLst/>
-          </a:prstGeom>
-        </p:spPr>
-        <p:txBody>
-          <a:bodyPr>
-            <a:spAutoFit/>
-          </a:bodyPr>
-          <a:lstStyle/>
-          <a:p>
-            <a:r>
-              <a:rPr lang="en-US" sz="1000" dirty="0"/>
-              <a:t>PET.BAG</a:t>
-            </a:r>
-          </a:p>
-          <a:p>
-            <a:r>
-              <a:rPr lang="en-US" sz="1000" dirty="0"/>
-              <a:t>237 subjects with full information.</a:t>
-            </a:r>
-          </a:p>
-          <a:p>
-            <a:r>
-              <a:rPr lang="en-US" sz="1000" dirty="0" smtClean="0"/>
-              <a:t>AUC</a:t>
-            </a:r>
-            <a:r>
-              <a:rPr lang="en-US" sz="1000" dirty="0"/>
-              <a:t>:  0.6336397194536729</a:t>
-            </a:r>
-          </a:p>
-          <a:p>
-            <a:r>
-              <a:rPr lang="en-US" sz="1000" dirty="0"/>
-              <a:t>Feature importance:  ['PET.BAG'] </a:t>
-            </a:r>
-          </a:p>
-          <a:p>
-            <a:endParaRPr lang="en-US" sz="1000" dirty="0"/>
-          </a:p>
-          <a:p>
-            <a:r>
-              <a:rPr lang="en-US" sz="1000" dirty="0"/>
-              <a:t>MRI.BAG</a:t>
-            </a:r>
-          </a:p>
-          <a:p>
-            <a:r>
-              <a:rPr lang="en-US" sz="1000" dirty="0"/>
-              <a:t>237 subjects with full information.</a:t>
-            </a:r>
-          </a:p>
-          <a:p>
-            <a:r>
-              <a:rPr lang="en-US" sz="1000" dirty="0" smtClean="0"/>
-              <a:t>AUC</a:t>
-            </a:r>
-            <a:r>
-              <a:rPr lang="en-US" sz="1000" dirty="0"/>
-              <a:t>:  0.5507087486157253</a:t>
-            </a:r>
-          </a:p>
-          <a:p>
-            <a:r>
-              <a:rPr lang="en-US" sz="1000" dirty="0"/>
-              <a:t>Feature importance:  ['MRI.BAG'] </a:t>
-            </a:r>
-          </a:p>
-          <a:p>
-            <a:endParaRPr lang="en-US" sz="1000" dirty="0"/>
-          </a:p>
-          <a:p>
-            <a:r>
-              <a:rPr lang="en-US" sz="1000" dirty="0" err="1"/>
-              <a:t>Hippocampus_GMV</a:t>
-            </a:r>
-            <a:endParaRPr lang="en-US" sz="1000" dirty="0"/>
-          </a:p>
-          <a:p>
-            <a:r>
-              <a:rPr lang="en-US" sz="1000" dirty="0"/>
-              <a:t>237 subjects with full information.</a:t>
-            </a:r>
-          </a:p>
-          <a:p>
-            <a:r>
-              <a:rPr lang="en-US" sz="1000" dirty="0" smtClean="0"/>
-              <a:t>AUC</a:t>
-            </a:r>
-            <a:r>
-              <a:rPr lang="en-US" sz="1000" dirty="0"/>
-              <a:t>:  0.7374492432631967</a:t>
-            </a:r>
-          </a:p>
-          <a:p>
-            <a:r>
-              <a:rPr lang="en-US" sz="1000" dirty="0"/>
-              <a:t>Feature importance:  ['</a:t>
-            </a:r>
-            <a:r>
-              <a:rPr lang="en-US" sz="1000" dirty="0" err="1"/>
-              <a:t>Hippocampus_GMV</a:t>
-            </a:r>
-            <a:r>
-              <a:rPr lang="en-US" sz="1000" dirty="0"/>
-              <a:t>'] </a:t>
-            </a:r>
-          </a:p>
-          <a:p>
-            <a:endParaRPr lang="en-US" sz="1000" dirty="0"/>
-          </a:p>
-          <a:p>
-            <a:r>
-              <a:rPr lang="en-US" sz="1000" dirty="0"/>
-              <a:t>SUMMARYSUVR_WHOLECEREBNORM</a:t>
-            </a:r>
-          </a:p>
-          <a:p>
-            <a:r>
-              <a:rPr lang="en-US" sz="1000" dirty="0"/>
-              <a:t>230 subjects with full information.</a:t>
-            </a:r>
-          </a:p>
-          <a:p>
-            <a:r>
-              <a:rPr lang="en-US" sz="1000" dirty="0" smtClean="0"/>
-              <a:t>AUC</a:t>
-            </a:r>
-            <a:r>
-              <a:rPr lang="en-US" sz="1000" dirty="0"/>
-              <a:t>:  0.5473170731707317</a:t>
-            </a:r>
-          </a:p>
-          <a:p>
-            <a:r>
-              <a:rPr lang="en-US" sz="1000" dirty="0"/>
-              <a:t>Feature importance:  ['SUMMARYSUVR_WHOLECEREBNORM'] </a:t>
-            </a:r>
-          </a:p>
-          <a:p>
-            <a:endParaRPr lang="en-US" sz="1000" dirty="0"/>
-          </a:p>
-          <a:p>
-            <a:r>
-              <a:rPr lang="en-US" sz="1000" dirty="0" err="1"/>
-              <a:t>Precuneus_SUVR</a:t>
-            </a:r>
-            <a:endParaRPr lang="en-US" sz="1000" dirty="0"/>
-          </a:p>
-          <a:p>
-            <a:r>
-              <a:rPr lang="en-US" sz="1000" dirty="0"/>
-              <a:t>237 subjects with full information.</a:t>
-            </a:r>
-          </a:p>
-          <a:p>
-            <a:r>
-              <a:rPr lang="en-US" sz="1000" dirty="0" smtClean="0"/>
-              <a:t>AUC</a:t>
-            </a:r>
-            <a:r>
-              <a:rPr lang="en-US" sz="1000" dirty="0"/>
-              <a:t>:  0.5690365448504984</a:t>
-            </a:r>
-          </a:p>
-          <a:p>
-            <a:r>
-              <a:rPr lang="en-US" sz="1000" dirty="0"/>
-              <a:t>Feature importance:  ['</a:t>
-            </a:r>
-            <a:r>
-              <a:rPr lang="en-US" sz="1000" dirty="0" err="1"/>
-              <a:t>Precuneus_SUVR</a:t>
-            </a:r>
-            <a:r>
-              <a:rPr lang="en-US" sz="1000" dirty="0"/>
-              <a:t>'] </a:t>
-            </a:r>
-          </a:p>
-          <a:p>
-            <a:endParaRPr lang="en-US" sz="1000" dirty="0"/>
-          </a:p>
-          <a:p>
-            <a:r>
-              <a:rPr lang="en-US" sz="1000" dirty="0"/>
-              <a:t>PTAU.ABETA42</a:t>
-            </a:r>
-          </a:p>
-          <a:p>
-            <a:r>
-              <a:rPr lang="en-US" sz="1000" dirty="0"/>
-              <a:t>209 subjects with full information.</a:t>
-            </a:r>
-          </a:p>
-          <a:p>
-            <a:r>
-              <a:rPr lang="en-US" sz="1000" dirty="0" smtClean="0"/>
-              <a:t>AUC</a:t>
-            </a:r>
-            <a:r>
-              <a:rPr lang="en-US" sz="1000" dirty="0"/>
-              <a:t>:  0.5999431009957326</a:t>
-            </a:r>
-          </a:p>
-          <a:p>
-            <a:r>
-              <a:rPr lang="en-US" sz="1000" dirty="0"/>
-              <a:t>Feature importance:  ['PTAU.ABETA42'] </a:t>
-            </a:r>
-          </a:p>
-          <a:p>
-            <a:endParaRPr lang="en-US" sz="1000" dirty="0"/>
-          </a:p>
-          <a:p>
-            <a:r>
-              <a:rPr lang="en-US" sz="1000" dirty="0"/>
-              <a:t>MMSE</a:t>
-            </a:r>
-          </a:p>
-          <a:p>
-            <a:r>
-              <a:rPr lang="en-US" sz="1000" dirty="0"/>
-              <a:t>237 subjects with full information.</a:t>
-            </a:r>
-          </a:p>
-          <a:p>
-            <a:r>
-              <a:rPr lang="en-US" sz="1000" dirty="0" smtClean="0"/>
-              <a:t>AUC</a:t>
-            </a:r>
-            <a:r>
-              <a:rPr lang="en-US" sz="1000" dirty="0"/>
-              <a:t>:  0.45713732004429686</a:t>
-            </a:r>
-          </a:p>
-          <a:p>
-            <a:r>
-              <a:rPr lang="en-US" sz="1000" dirty="0"/>
-              <a:t>Feature importance:  ['MMSE'] </a:t>
-            </a:r>
-          </a:p>
-          <a:p>
-            <a:endParaRPr lang="en-US" sz="1000" dirty="0"/>
-          </a:p>
-          <a:p>
-            <a:r>
-              <a:rPr lang="en-US" sz="1000" dirty="0" err="1"/>
-              <a:t>meanage</a:t>
-            </a:r>
-            <a:endParaRPr lang="en-US" sz="1000" dirty="0"/>
-          </a:p>
-          <a:p>
-            <a:r>
-              <a:rPr lang="en-US" sz="1000" dirty="0"/>
-              <a:t>237 subjects with full information.</a:t>
-            </a:r>
-          </a:p>
-          <a:p>
-            <a:r>
-              <a:rPr lang="en-US" sz="1000" dirty="0" smtClean="0"/>
-              <a:t>AUC</a:t>
-            </a:r>
-            <a:r>
-              <a:rPr lang="en-US" sz="1000" dirty="0"/>
-              <a:t>:  0.6596419342930971</a:t>
-            </a:r>
-          </a:p>
-          <a:p>
-            <a:r>
-              <a:rPr lang="en-US" sz="1000" dirty="0"/>
-              <a:t>Feature importance:  ['</a:t>
-            </a:r>
-            <a:r>
-              <a:rPr lang="en-US" sz="1000" dirty="0" err="1"/>
-              <a:t>meanage</a:t>
-            </a:r>
-            <a:r>
-              <a:rPr lang="en-US" sz="1000" dirty="0"/>
-              <a:t>'] </a:t>
-            </a:r>
-          </a:p>
-          <a:p>
-            <a:endParaRPr lang="en-US" sz="1000" dirty="0"/>
-          </a:p>
-        </p:txBody>
-      </p:sp>
-      <p:sp>
-        <p:nvSpPr>
-          <p:cNvPr id="5" name="Rechteck 4"/>
-          <p:cNvSpPr/>
-          <p:nvPr/>
-        </p:nvSpPr>
-        <p:spPr>
-          <a:xfrm>
-            <a:off x="1016000" y="2626189"/>
-            <a:ext cx="6456218" cy="2862322"/>
-          </a:xfrm>
-          <a:prstGeom prst="rect">
-            <a:avLst/>
-          </a:prstGeom>
-        </p:spPr>
-        <p:txBody>
-          <a:bodyPr wrap="square">
-            <a:spAutoFit/>
-          </a:bodyPr>
-          <a:lstStyle/>
-          <a:p>
-            <a:r>
-              <a:rPr lang="en-US" sz="1000" dirty="0"/>
-              <a:t>FDG-PET BAG:        </a:t>
-            </a:r>
-            <a:endParaRPr lang="en-US" sz="1000" dirty="0" smtClean="0"/>
-          </a:p>
-          <a:p>
-            <a:r>
-              <a:rPr lang="en-US" sz="1000" dirty="0" smtClean="0"/>
-              <a:t>Source          	SS   	DF         	F     	p-</a:t>
-            </a:r>
-            <a:r>
-              <a:rPr lang="en-US" sz="1000" dirty="0" err="1" smtClean="0"/>
-              <a:t>unc</a:t>
-            </a:r>
-            <a:r>
-              <a:rPr lang="en-US" sz="1000" dirty="0" smtClean="0"/>
-              <a:t>       	np2</a:t>
-            </a:r>
-            <a:endParaRPr lang="en-US" sz="1000" dirty="0"/>
-          </a:p>
-          <a:p>
-            <a:r>
-              <a:rPr lang="en-US" sz="1000" dirty="0" err="1" smtClean="0"/>
-              <a:t>DX.cat.n</a:t>
-            </a:r>
-            <a:r>
-              <a:rPr lang="en-US" sz="1000" dirty="0" smtClean="0"/>
-              <a:t>   	 </a:t>
-            </a:r>
-            <a:r>
-              <a:rPr lang="en-US" sz="1000" dirty="0"/>
-              <a:t>14.864316    </a:t>
-            </a:r>
-            <a:r>
-              <a:rPr lang="en-US" sz="1000" dirty="0" smtClean="0"/>
-              <a:t>	1    	1.269554  	</a:t>
-            </a:r>
-            <a:r>
-              <a:rPr lang="en-US" sz="1000" b="1" dirty="0" smtClean="0"/>
-              <a:t>0.261014  </a:t>
-            </a:r>
-            <a:r>
-              <a:rPr lang="en-US" sz="1000" dirty="0" smtClean="0"/>
-              <a:t>	0.005442</a:t>
-            </a:r>
-            <a:endParaRPr lang="en-US" sz="1000" dirty="0"/>
-          </a:p>
-          <a:p>
-            <a:r>
-              <a:rPr lang="en-US" sz="1000" dirty="0" smtClean="0"/>
-              <a:t>PTEDUCAT    	32.863926    	1  	2.806892  	0.095207  	0.011954</a:t>
-            </a:r>
-            <a:endParaRPr lang="en-US" sz="1000" dirty="0"/>
-          </a:p>
-          <a:p>
-            <a:r>
-              <a:rPr lang="en-US" sz="1000" dirty="0" smtClean="0"/>
-              <a:t>APOE4    	1.042982    	1  	0.089081  	0.765616  	0.000384</a:t>
-            </a:r>
-          </a:p>
-          <a:p>
-            <a:r>
-              <a:rPr lang="en-US" sz="1000" dirty="0" smtClean="0"/>
-              <a:t>PTGENDER     	9.511962    	1 	0.812412  	0.368343  	0.003490</a:t>
-            </a:r>
-          </a:p>
-          <a:p>
-            <a:r>
-              <a:rPr lang="en-US" sz="1000" dirty="0" smtClean="0"/>
-              <a:t>Residual  	2716.325163  	232      	</a:t>
-            </a:r>
-            <a:r>
-              <a:rPr lang="en-US" sz="1000" dirty="0" err="1" smtClean="0"/>
-              <a:t>NaN</a:t>
-            </a:r>
-            <a:r>
-              <a:rPr lang="en-US" sz="1000" dirty="0" smtClean="0"/>
-              <a:t>       	</a:t>
-            </a:r>
-            <a:r>
-              <a:rPr lang="en-US" sz="1000" dirty="0" err="1" smtClean="0"/>
-              <a:t>NaN</a:t>
-            </a:r>
-            <a:r>
-              <a:rPr lang="en-US" sz="1000" dirty="0" smtClean="0"/>
-              <a:t>      	</a:t>
-            </a:r>
-            <a:r>
-              <a:rPr lang="en-US" sz="1000" dirty="0" err="1" smtClean="0"/>
-              <a:t>NaN</a:t>
-            </a:r>
-            <a:endParaRPr lang="en-US" sz="1000" dirty="0" smtClean="0"/>
-          </a:p>
-          <a:p>
-            <a:pPr marL="228600" indent="-228600">
-              <a:buAutoNum type="arabicPlain" startAt="4"/>
-            </a:pPr>
-            <a:endParaRPr lang="en-US" sz="1000" dirty="0"/>
-          </a:p>
-          <a:p>
-            <a:r>
-              <a:rPr lang="en-US" sz="1000" dirty="0"/>
-              <a:t>MRI BAG:       </a:t>
-            </a:r>
-            <a:endParaRPr lang="en-US" sz="1000" dirty="0" smtClean="0"/>
-          </a:p>
-          <a:p>
-            <a:r>
-              <a:rPr lang="en-US" sz="1000" dirty="0" smtClean="0"/>
-              <a:t>Source           	SS   	DF          	F     	p-</a:t>
-            </a:r>
-            <a:r>
-              <a:rPr lang="en-US" sz="1000" dirty="0" err="1" smtClean="0"/>
-              <a:t>unc</a:t>
-            </a:r>
-            <a:r>
-              <a:rPr lang="en-US" sz="1000" dirty="0" smtClean="0"/>
-              <a:t>       	np2</a:t>
-            </a:r>
-            <a:endParaRPr lang="en-US" sz="1000" dirty="0"/>
-          </a:p>
-          <a:p>
-            <a:r>
-              <a:rPr lang="en-US" sz="1000" dirty="0" err="1" smtClean="0"/>
-              <a:t>DX.cat.n</a:t>
-            </a:r>
-            <a:r>
-              <a:rPr lang="en-US" sz="1000" dirty="0" smtClean="0"/>
-              <a:t>     	5.965793    	1   	0.588828  	</a:t>
-            </a:r>
-            <a:r>
-              <a:rPr lang="en-US" sz="1000" b="1" dirty="0" smtClean="0"/>
-              <a:t>0.443653</a:t>
-            </a:r>
-            <a:r>
-              <a:rPr lang="en-US" sz="1000" dirty="0" smtClean="0"/>
-              <a:t>  </a:t>
-            </a:r>
-            <a:r>
-              <a:rPr lang="en-US" sz="1000" dirty="0"/>
-              <a:t>0.002532</a:t>
-            </a:r>
-          </a:p>
-          <a:p>
-            <a:r>
-              <a:rPr lang="en-US" sz="1000" dirty="0" smtClean="0"/>
-              <a:t>PTEDUCAT    	0.884753    	1   	0.087326 	0.767869  </a:t>
-            </a:r>
-            <a:r>
-              <a:rPr lang="en-US" sz="1000" dirty="0"/>
-              <a:t>0.000376</a:t>
-            </a:r>
-          </a:p>
-          <a:p>
-            <a:r>
-              <a:rPr lang="en-US" sz="1000" dirty="0" smtClean="0"/>
-              <a:t>APOE4     	3.240248    	1   	0.319815  	0.572265  </a:t>
-            </a:r>
-            <a:r>
-              <a:rPr lang="en-US" sz="1000" dirty="0"/>
-              <a:t>0.001377</a:t>
-            </a:r>
-          </a:p>
-          <a:p>
-            <a:r>
-              <a:rPr lang="en-US" sz="1000" dirty="0" smtClean="0"/>
-              <a:t>PTGENDER   	168.085840    	1  	16.590200  	</a:t>
-            </a:r>
-            <a:r>
-              <a:rPr lang="en-US" sz="1000" b="1" dirty="0" smtClean="0"/>
-              <a:t>0.000064</a:t>
-            </a:r>
-            <a:r>
-              <a:rPr lang="en-US" sz="1000" dirty="0" smtClean="0"/>
-              <a:t>  </a:t>
-            </a:r>
-            <a:r>
-              <a:rPr lang="en-US" sz="1000" dirty="0"/>
-              <a:t>0.066737</a:t>
-            </a:r>
-          </a:p>
-          <a:p>
-            <a:r>
-              <a:rPr lang="en-US" sz="1000" dirty="0" smtClean="0"/>
-              <a:t>Residual  	2350.539230  	232        </a:t>
-            </a:r>
-            <a:r>
-              <a:rPr lang="en-US" sz="1000" dirty="0" err="1"/>
-              <a:t>NaN</a:t>
-            </a:r>
-            <a:r>
-              <a:rPr lang="en-US" sz="1000" dirty="0"/>
-              <a:t>       </a:t>
-            </a:r>
-            <a:r>
-              <a:rPr lang="en-US" sz="1000" dirty="0" err="1"/>
-              <a:t>NaN</a:t>
-            </a:r>
-            <a:r>
-              <a:rPr lang="en-US" sz="1000" dirty="0"/>
-              <a:t>       </a:t>
-            </a:r>
-            <a:r>
-              <a:rPr lang="en-US" sz="1000" dirty="0" err="1" smtClean="0"/>
-              <a:t>NaN</a:t>
-            </a:r>
-            <a:endParaRPr lang="en-US" sz="1000" dirty="0" smtClean="0"/>
-          </a:p>
-          <a:p>
-            <a:endParaRPr lang="en-US" sz="1000" dirty="0"/>
-          </a:p>
-          <a:p>
-            <a:r>
-              <a:rPr lang="en-US" sz="1000" dirty="0"/>
-              <a:t>Mean PET BAG stables: [0.25622209], mean PET BAG decliners: [0.91459078].</a:t>
-            </a:r>
-          </a:p>
-          <a:p>
-            <a:r>
-              <a:rPr lang="en-US" sz="1000" dirty="0"/>
-              <a:t>Mean MRI BAG stables: [0.04624971], mean MRI BAG decliners: [0.78794796].</a:t>
-            </a:r>
+          <p:cNvPr id="5" name="Textplatzhalter 4"/>
+          <p:cNvSpPr>
+            <a:spLocks noGrp="1"/>
+          </p:cNvSpPr>
+          <p:nvPr>
+            <p:ph type="body" idx="1"/>
+          </p:nvPr>
+        </p:nvSpPr>
+        <p:spPr/>
+        <p:txBody>
+          <a:bodyPr/>
+          <a:lstStyle/>
+          <a:p>
+            <a:endParaRPr lang="en-US"/>
           </a:p>
         </p:txBody>
       </p:sp>
     </p:spTree>
     <p:extLst>
       <p:ext uri="{BB962C8B-B14F-4D97-AF65-F5344CB8AC3E}">
-        <p14:creationId xmlns:p14="http://schemas.microsoft.com/office/powerpoint/2010/main" val="3948443851"/>
+        <p14:creationId xmlns:p14="http://schemas.microsoft.com/office/powerpoint/2010/main" val="2480757537"/>
       </p:ext>
     </p:extLst>
   </p:cSld>
@@ -7754,294 +8533,430 @@
           <a:p>
             <a:r>
               <a:rPr lang="en-US" dirty="0" smtClean="0"/>
-              <a:t>Pathology</a:t>
+              <a:t>Correlations</a:t>
             </a:r>
             <a:endParaRPr lang="en-US" dirty="0"/>
           </a:p>
         </p:txBody>
       </p:sp>
-      <p:pic>
-        <p:nvPicPr>
-          <p:cNvPr id="3" name="Grafik 2"/>
-          <p:cNvPicPr>
-            <a:picLocks noChangeAspect="1"/>
-          </p:cNvPicPr>
+      <p:sp>
+        <p:nvSpPr>
+          <p:cNvPr id="3" name="Rechteck 2"/>
+          <p:cNvSpPr/>
           <p:nvPr/>
-        </p:nvPicPr>
-        <p:blipFill>
-          <a:blip r:embed="rId2" cstate="print">
-            <a:extLst>
-              <a:ext uri="{28A0092B-C50C-407E-A947-70E740481C1C}">
-                <a14:useLocalDpi xmlns:a14="http://schemas.microsoft.com/office/drawing/2010/main" val="0"/>
-              </a:ext>
-            </a:extLst>
-          </a:blip>
-          <a:stretch>
-            <a:fillRect/>
-          </a:stretch>
-        </p:blipFill>
+        </p:nvSpPr>
         <p:spPr>
           <a:xfrm>
-            <a:off x="6964218" y="1828348"/>
-            <a:ext cx="4652182" cy="4582244"/>
+            <a:off x="1488141" y="2190338"/>
+            <a:ext cx="3092824" cy="2246769"/>
           </a:xfrm>
           <a:prstGeom prst="rect">
             <a:avLst/>
           </a:prstGeom>
         </p:spPr>
-      </p:pic>
-      <p:pic>
-        <p:nvPicPr>
-          <p:cNvPr id="7" name="Grafik 6"/>
-          <p:cNvPicPr>
-            <a:picLocks noChangeAspect="1"/>
-          </p:cNvPicPr>
+        <p:txBody>
+          <a:bodyPr wrap="square">
+            <a:spAutoFit/>
+          </a:bodyPr>
+          <a:lstStyle/>
+          <a:p>
+            <a:r>
+              <a:rPr lang="en-US" sz="1000" b="1" dirty="0"/>
+              <a:t>ADNI_EF</a:t>
+            </a:r>
+          </a:p>
+          <a:p>
+            <a:r>
+              <a:rPr lang="en-US" sz="1000" b="1" dirty="0"/>
+              <a:t>FDG-PET BAG</a:t>
+            </a:r>
+          </a:p>
+          <a:p>
+            <a:r>
+              <a:rPr lang="en-US" sz="1000" b="1" dirty="0"/>
+              <a:t>          n        r          CI95%     p-</a:t>
+            </a:r>
+            <a:r>
+              <a:rPr lang="en-US" sz="1000" b="1" dirty="0" err="1"/>
+              <a:t>val</a:t>
+            </a:r>
+            <a:endParaRPr lang="en-US" sz="1000" b="1" dirty="0"/>
+          </a:p>
+          <a:p>
+            <a:r>
+              <a:rPr lang="en-US" sz="1000" b="1" dirty="0"/>
+              <a:t>pearson  83 -0.19037  [-0.39, 0.03]  0.092864</a:t>
+            </a:r>
+          </a:p>
+          <a:p>
+            <a:r>
+              <a:rPr lang="en-US" sz="1000" dirty="0"/>
+              <a:t>MRI BAG: </a:t>
+            </a:r>
+          </a:p>
+          <a:p>
+            <a:r>
+              <a:rPr lang="en-US" sz="1000" dirty="0"/>
+              <a:t>          n         r          CI95%     p-</a:t>
+            </a:r>
+            <a:r>
+              <a:rPr lang="en-US" sz="1000" dirty="0" err="1"/>
+              <a:t>val</a:t>
+            </a:r>
+            <a:endParaRPr lang="en-US" sz="1000" dirty="0"/>
+          </a:p>
+          <a:p>
+            <a:r>
+              <a:rPr lang="en-US" sz="1000" dirty="0"/>
+              <a:t>pearson  83  0.016619  [-0.21, 0.24]  0.884419</a:t>
+            </a:r>
+          </a:p>
+          <a:p>
+            <a:r>
+              <a:rPr lang="en-US" sz="1000" b="1" dirty="0"/>
+              <a:t>ADNI_MEM</a:t>
+            </a:r>
+          </a:p>
+          <a:p>
+            <a:r>
+              <a:rPr lang="en-US" sz="1000" b="1" dirty="0"/>
+              <a:t>FDG-PET BAG</a:t>
+            </a:r>
+          </a:p>
+          <a:p>
+            <a:r>
+              <a:rPr lang="en-US" sz="1000" b="1" dirty="0"/>
+              <a:t>          n         r           CI95%    p-</a:t>
+            </a:r>
+            <a:r>
+              <a:rPr lang="en-US" sz="1000" b="1" dirty="0" err="1"/>
+              <a:t>val</a:t>
+            </a:r>
+            <a:endParaRPr lang="en-US" sz="1000" b="1" dirty="0"/>
+          </a:p>
+          <a:p>
+            <a:r>
+              <a:rPr lang="en-US" sz="1000" b="1" dirty="0"/>
+              <a:t>pearson  83 -0.238237  [-0.44, -0.02]  0.03449</a:t>
+            </a:r>
+          </a:p>
+          <a:p>
+            <a:r>
+              <a:rPr lang="en-US" sz="1000" dirty="0"/>
+              <a:t>MRI BAG: </a:t>
+            </a:r>
+          </a:p>
+          <a:p>
+            <a:r>
+              <a:rPr lang="en-US" sz="1000" dirty="0"/>
+              <a:t>          n         r         CI95%     p-</a:t>
+            </a:r>
+            <a:r>
+              <a:rPr lang="en-US" sz="1000" dirty="0" err="1"/>
+              <a:t>val</a:t>
+            </a:r>
+            <a:endParaRPr lang="en-US" sz="1000" dirty="0"/>
+          </a:p>
+          <a:p>
+            <a:r>
+              <a:rPr lang="en-US" sz="1000" dirty="0"/>
+              <a:t>pearson  83 -0.126937  [-0.34, 0.1]  </a:t>
+            </a:r>
+            <a:r>
+              <a:rPr lang="en-US" sz="1000" dirty="0" smtClean="0"/>
+              <a:t>0.264948</a:t>
+            </a:r>
+            <a:endParaRPr lang="en-US" sz="1000" dirty="0"/>
+          </a:p>
+        </p:txBody>
+      </p:sp>
+      <p:sp>
+        <p:nvSpPr>
+          <p:cNvPr id="4" name="Rechteck 3"/>
+          <p:cNvSpPr/>
           <p:nvPr/>
-        </p:nvPicPr>
-        <p:blipFill>
-          <a:blip r:embed="rId3" cstate="print">
-            <a:extLst>
-              <a:ext uri="{28A0092B-C50C-407E-A947-70E740481C1C}">
-                <a14:useLocalDpi xmlns:a14="http://schemas.microsoft.com/office/drawing/2010/main" val="0"/>
-              </a:ext>
-            </a:extLst>
-          </a:blip>
-          <a:stretch>
-            <a:fillRect/>
-          </a:stretch>
-        </p:blipFill>
+        </p:nvSpPr>
         <p:spPr>
           <a:xfrm>
-            <a:off x="906470" y="1828800"/>
-            <a:ext cx="4687984" cy="4581792"/>
+            <a:off x="6893859" y="574510"/>
+            <a:ext cx="2940423" cy="5478423"/>
           </a:xfrm>
           <a:prstGeom prst="rect">
             <a:avLst/>
           </a:prstGeom>
         </p:spPr>
-      </p:pic>
-      <p:sp>
-        <p:nvSpPr>
-          <p:cNvPr id="8" name="Textfeld 7"/>
-          <p:cNvSpPr txBox="1"/>
-          <p:nvPr/>
-        </p:nvSpPr>
-        <p:spPr>
-          <a:xfrm>
-            <a:off x="1479176" y="6213209"/>
-            <a:ext cx="3478306" cy="201722"/>
-          </a:xfrm>
-          <a:prstGeom prst="rect">
-            <a:avLst/>
-          </a:prstGeom>
-          <a:solidFill>
-            <a:schemeClr val="bg1"/>
-          </a:solidFill>
-        </p:spPr>
-        <p:txBody>
-          <a:bodyPr wrap="square" rtlCol="0" anchor="ctr">
+        <p:txBody>
+          <a:bodyPr wrap="square">
             <a:spAutoFit/>
           </a:bodyPr>
           <a:lstStyle/>
           <a:p>
-            <a:pPr algn="ctr">
-              <a:lnSpc>
-                <a:spcPts val="753"/>
-              </a:lnSpc>
-            </a:pPr>
-            <a:r>
-              <a:rPr lang="en-US" sz="1100" b="1" dirty="0" smtClean="0">
-                <a:latin typeface="Helvetica" pitchFamily="2" charset="0"/>
-              </a:rPr>
-              <a:t>FDG-PET BAG </a:t>
-            </a:r>
-            <a:r>
-              <a:rPr lang="en-US" sz="1100" dirty="0">
-                <a:latin typeface="Helvetica" pitchFamily="2" charset="0"/>
-              </a:rPr>
-              <a:t>[years]</a:t>
-            </a:r>
-          </a:p>
-        </p:txBody>
-      </p:sp>
-      <p:sp>
-        <p:nvSpPr>
-          <p:cNvPr id="9" name="Textfeld 8"/>
-          <p:cNvSpPr txBox="1"/>
-          <p:nvPr/>
-        </p:nvSpPr>
-        <p:spPr>
-          <a:xfrm>
-            <a:off x="7458634" y="6217546"/>
-            <a:ext cx="3478306" cy="193045"/>
-          </a:xfrm>
-          <a:prstGeom prst="rect">
-            <a:avLst/>
-          </a:prstGeom>
-          <a:solidFill>
-            <a:schemeClr val="bg1"/>
-          </a:solidFill>
-        </p:spPr>
-        <p:txBody>
-          <a:bodyPr wrap="square" rtlCol="0" anchor="ctr">
-            <a:spAutoFit/>
-          </a:bodyPr>
-          <a:lstStyle/>
-          <a:p>
-            <a:pPr algn="ctr">
-              <a:lnSpc>
-                <a:spcPts val="753"/>
-              </a:lnSpc>
-            </a:pPr>
-            <a:r>
-              <a:rPr lang="en-US" sz="1100" b="1" dirty="0" smtClean="0">
-                <a:latin typeface="Helvetica" pitchFamily="2" charset="0"/>
-              </a:rPr>
-              <a:t>FDG-PET BAG </a:t>
-            </a:r>
-            <a:r>
-              <a:rPr lang="en-US" sz="1100" b="1" dirty="0">
-                <a:latin typeface="Helvetica" pitchFamily="2" charset="0"/>
-              </a:rPr>
-              <a:t>[years]</a:t>
-            </a:r>
-          </a:p>
-        </p:txBody>
-      </p:sp>
-      <p:sp>
-        <p:nvSpPr>
-          <p:cNvPr id="10" name="Textfeld 9"/>
-          <p:cNvSpPr txBox="1"/>
-          <p:nvPr/>
-        </p:nvSpPr>
-        <p:spPr>
-          <a:xfrm rot="16200000">
-            <a:off x="-735220" y="4149890"/>
-            <a:ext cx="3478306" cy="208775"/>
-          </a:xfrm>
-          <a:prstGeom prst="rect">
-            <a:avLst/>
-          </a:prstGeom>
-          <a:solidFill>
-            <a:schemeClr val="bg1"/>
-          </a:solidFill>
-        </p:spPr>
-        <p:txBody>
-          <a:bodyPr wrap="square" rtlCol="0" anchor="ctr">
-            <a:spAutoFit/>
-          </a:bodyPr>
-          <a:lstStyle/>
-          <a:p>
-            <a:pPr algn="ctr">
-              <a:lnSpc>
-                <a:spcPts val="753"/>
-              </a:lnSpc>
-            </a:pPr>
-            <a:r>
-              <a:rPr lang="en-US" sz="1100" b="1" dirty="0" smtClean="0">
-                <a:latin typeface="Helvetica" pitchFamily="2" charset="0"/>
-              </a:rPr>
-              <a:t>CSF A</a:t>
-            </a:r>
-            <a:r>
-              <a:rPr lang="el-GR" sz="1200" b="1" dirty="0" smtClean="0">
-                <a:latin typeface="Helvetica" pitchFamily="2" charset="0"/>
-              </a:rPr>
-              <a:t>β</a:t>
-            </a:r>
-            <a:r>
-              <a:rPr lang="de-DE" sz="1200" b="1" baseline="-25000" dirty="0" smtClean="0">
-                <a:latin typeface="Helvetica" pitchFamily="2" charset="0"/>
-              </a:rPr>
-              <a:t>1-42 </a:t>
-            </a:r>
-            <a:r>
-              <a:rPr lang="de-DE" sz="1200" dirty="0" smtClean="0">
-                <a:latin typeface="Helvetica" pitchFamily="2" charset="0"/>
-              </a:rPr>
-              <a:t>[pg/ml]</a:t>
-            </a:r>
-            <a:endParaRPr lang="en-US" sz="1400" dirty="0">
-              <a:latin typeface="Helvetica" pitchFamily="2" charset="0"/>
-            </a:endParaRPr>
-          </a:p>
-        </p:txBody>
-      </p:sp>
-      <p:sp>
-        <p:nvSpPr>
-          <p:cNvPr id="11" name="Textfeld 10"/>
-          <p:cNvSpPr txBox="1"/>
-          <p:nvPr/>
-        </p:nvSpPr>
-        <p:spPr>
-          <a:xfrm rot="16200000">
-            <a:off x="5329454" y="4149890"/>
-            <a:ext cx="3478306" cy="208775"/>
-          </a:xfrm>
-          <a:prstGeom prst="rect">
-            <a:avLst/>
-          </a:prstGeom>
-          <a:solidFill>
-            <a:schemeClr val="bg1"/>
-          </a:solidFill>
-        </p:spPr>
-        <p:txBody>
-          <a:bodyPr wrap="square" rtlCol="0" anchor="ctr">
-            <a:spAutoFit/>
-          </a:bodyPr>
-          <a:lstStyle/>
-          <a:p>
-            <a:pPr algn="ctr">
-              <a:lnSpc>
-                <a:spcPts val="753"/>
-              </a:lnSpc>
-            </a:pPr>
-            <a:r>
-              <a:rPr lang="en-US" sz="1100" b="1" dirty="0" smtClean="0">
-                <a:latin typeface="Helvetica" pitchFamily="2" charset="0"/>
-              </a:rPr>
-              <a:t>p-Tau</a:t>
-            </a:r>
-            <a:r>
-              <a:rPr lang="en-US" sz="1100" b="1" baseline="-25000" dirty="0" smtClean="0">
-                <a:latin typeface="Helvetica" pitchFamily="2" charset="0"/>
-              </a:rPr>
-              <a:t>181</a:t>
-            </a:r>
-            <a:r>
-              <a:rPr lang="en-US" sz="1100" b="1" dirty="0" smtClean="0">
-                <a:latin typeface="Helvetica" pitchFamily="2" charset="0"/>
-              </a:rPr>
-              <a:t>/CSF A</a:t>
-            </a:r>
-            <a:r>
-              <a:rPr lang="el-GR" sz="1200" b="1" dirty="0" smtClean="0">
-                <a:latin typeface="Helvetica" pitchFamily="2" charset="0"/>
-              </a:rPr>
-              <a:t>β</a:t>
-            </a:r>
-            <a:r>
-              <a:rPr lang="de-DE" sz="1200" b="1" baseline="-25000" dirty="0" smtClean="0">
-                <a:latin typeface="Helvetica" pitchFamily="2" charset="0"/>
-              </a:rPr>
-              <a:t>1-42 </a:t>
-            </a:r>
-            <a:r>
-              <a:rPr lang="de-DE" sz="1200" b="1" dirty="0" err="1" smtClean="0">
-                <a:latin typeface="Helvetica" pitchFamily="2" charset="0"/>
-              </a:rPr>
-              <a:t>ratio</a:t>
-            </a:r>
-            <a:endParaRPr lang="en-US" sz="1400" b="1" dirty="0">
-              <a:latin typeface="Helvetica" pitchFamily="2" charset="0"/>
-            </a:endParaRPr>
+            <a:r>
+              <a:rPr lang="en-US" sz="1000" dirty="0"/>
+              <a:t>SUMMARYSUVR_WHOLECEREBNORM</a:t>
+            </a:r>
+          </a:p>
+          <a:p>
+            <a:r>
+              <a:rPr lang="en-US" sz="1000" b="1" dirty="0"/>
+              <a:t>FDG-PET BAG</a:t>
+            </a:r>
+          </a:p>
+          <a:p>
+            <a:r>
+              <a:rPr lang="en-US" sz="1000" b="1" dirty="0"/>
+              <a:t>           n         r         CI95%     p-</a:t>
+            </a:r>
+            <a:r>
+              <a:rPr lang="en-US" sz="1000" b="1" dirty="0" err="1"/>
+              <a:t>val</a:t>
+            </a:r>
+            <a:endParaRPr lang="en-US" sz="1000" b="1" dirty="0"/>
+          </a:p>
+          <a:p>
+            <a:r>
+              <a:rPr lang="en-US" sz="1000" b="1" dirty="0"/>
+              <a:t>spearman  82  0.189656  [-0.03, 0.4]  0.096295</a:t>
+            </a:r>
+          </a:p>
+          <a:p>
+            <a:r>
+              <a:rPr lang="en-US" sz="1000" dirty="0"/>
+              <a:t>MRI BAG: </a:t>
+            </a:r>
+          </a:p>
+          <a:p>
+            <a:r>
+              <a:rPr lang="en-US" sz="1000" dirty="0"/>
+              <a:t>           n       r          CI95%     p-</a:t>
+            </a:r>
+            <a:r>
+              <a:rPr lang="en-US" sz="1000" dirty="0" err="1"/>
+              <a:t>val</a:t>
+            </a:r>
+            <a:endParaRPr lang="en-US" sz="1000" dirty="0"/>
+          </a:p>
+          <a:p>
+            <a:r>
+              <a:rPr lang="en-US" sz="1000" dirty="0"/>
+              <a:t>spearman  82 -0.0291  [-0.25, 0.19]  0.800337</a:t>
+            </a:r>
+          </a:p>
+          <a:p>
+            <a:r>
+              <a:rPr lang="en-US" sz="1000" dirty="0"/>
+              <a:t>ABETA42_recalculated</a:t>
+            </a:r>
+          </a:p>
+          <a:p>
+            <a:r>
+              <a:rPr lang="en-US" sz="1000" dirty="0"/>
+              <a:t>FDG-PET BAG</a:t>
+            </a:r>
+          </a:p>
+          <a:p>
+            <a:r>
+              <a:rPr lang="en-US" sz="1000" dirty="0"/>
+              <a:t>          n         r          CI95%     p-</a:t>
+            </a:r>
+            <a:r>
+              <a:rPr lang="en-US" sz="1000" dirty="0" err="1"/>
+              <a:t>val</a:t>
+            </a:r>
+            <a:endParaRPr lang="en-US" sz="1000" dirty="0"/>
+          </a:p>
+          <a:p>
+            <a:r>
+              <a:rPr lang="en-US" sz="1000" dirty="0"/>
+              <a:t>pearson  77 -0.156427  [-0.37, 0.08]  0.186301</a:t>
+            </a:r>
+          </a:p>
+          <a:p>
+            <a:r>
+              <a:rPr lang="en-US" sz="1000" dirty="0"/>
+              <a:t>MRI BAG: </a:t>
+            </a:r>
+          </a:p>
+          <a:p>
+            <a:r>
+              <a:rPr lang="en-US" sz="1000" dirty="0"/>
+              <a:t>          n         r         CI95%    p-</a:t>
+            </a:r>
+            <a:r>
+              <a:rPr lang="en-US" sz="1000" dirty="0" err="1"/>
+              <a:t>val</a:t>
+            </a:r>
+            <a:endParaRPr lang="en-US" sz="1000" dirty="0"/>
+          </a:p>
+          <a:p>
+            <a:r>
+              <a:rPr lang="en-US" sz="1000" dirty="0"/>
+              <a:t>pearson  77 -0.184824  [-0.4, 0.05]  0.11749</a:t>
+            </a:r>
+          </a:p>
+          <a:p>
+            <a:r>
+              <a:rPr lang="en-US" sz="1000" dirty="0"/>
+              <a:t>TAU</a:t>
+            </a:r>
+          </a:p>
+          <a:p>
+            <a:r>
+              <a:rPr lang="en-US" sz="1000" dirty="0"/>
+              <a:t>FDG-PET BAG</a:t>
+            </a:r>
+          </a:p>
+          <a:p>
+            <a:r>
+              <a:rPr lang="en-US" sz="1000" dirty="0"/>
+              <a:t>           n        r          CI95%     p-</a:t>
+            </a:r>
+            <a:r>
+              <a:rPr lang="en-US" sz="1000" dirty="0" err="1"/>
+              <a:t>val</a:t>
+            </a:r>
+            <a:endParaRPr lang="en-US" sz="1000" dirty="0"/>
+          </a:p>
+          <a:p>
+            <a:r>
+              <a:rPr lang="en-US" sz="1000" dirty="0"/>
+              <a:t>spearman  77 -0.15675  [-0.37, 0.08]  0.185384</a:t>
+            </a:r>
+          </a:p>
+          <a:p>
+            <a:r>
+              <a:rPr lang="en-US" sz="1000" b="1" dirty="0"/>
+              <a:t>MRI BAG: </a:t>
+            </a:r>
+          </a:p>
+          <a:p>
+            <a:r>
+              <a:rPr lang="en-US" sz="1000" b="1" dirty="0"/>
+              <a:t>           n         r          CI95%     p-</a:t>
+            </a:r>
+            <a:r>
+              <a:rPr lang="en-US" sz="1000" b="1" dirty="0" err="1"/>
+              <a:t>val</a:t>
+            </a:r>
+            <a:endParaRPr lang="en-US" sz="1000" b="1" dirty="0"/>
+          </a:p>
+          <a:p>
+            <a:r>
+              <a:rPr lang="en-US" sz="1000" b="1" dirty="0"/>
+              <a:t>spearman  77 -0.206363  [-0.42, 0.02]  0.079835</a:t>
+            </a:r>
+          </a:p>
+          <a:p>
+            <a:r>
+              <a:rPr lang="en-US" sz="1000" dirty="0"/>
+              <a:t>PTAU</a:t>
+            </a:r>
+          </a:p>
+          <a:p>
+            <a:r>
+              <a:rPr lang="en-US" sz="1000" dirty="0"/>
+              <a:t>FDG-PET BAG</a:t>
+            </a:r>
+          </a:p>
+          <a:p>
+            <a:r>
+              <a:rPr lang="en-US" sz="1000" dirty="0"/>
+              <a:t>           n        r          CI95%     p-</a:t>
+            </a:r>
+            <a:r>
+              <a:rPr lang="en-US" sz="1000" dirty="0" err="1"/>
+              <a:t>val</a:t>
+            </a:r>
+            <a:endParaRPr lang="en-US" sz="1000" dirty="0"/>
+          </a:p>
+          <a:p>
+            <a:r>
+              <a:rPr lang="en-US" sz="1000" dirty="0"/>
+              <a:t>spearman  77 -0.16643  [-0.38, 0.07]  0.159346</a:t>
+            </a:r>
+          </a:p>
+          <a:p>
+            <a:r>
+              <a:rPr lang="en-US" sz="1000" b="1" dirty="0"/>
+              <a:t>MRI BAG: </a:t>
+            </a:r>
+          </a:p>
+          <a:p>
+            <a:r>
+              <a:rPr lang="en-US" sz="1000" b="1" dirty="0"/>
+              <a:t>           n         r          CI95%     p-</a:t>
+            </a:r>
+            <a:r>
+              <a:rPr lang="en-US" sz="1000" b="1" dirty="0" err="1"/>
+              <a:t>val</a:t>
+            </a:r>
+            <a:endParaRPr lang="en-US" sz="1000" b="1" dirty="0"/>
+          </a:p>
+          <a:p>
+            <a:r>
+              <a:rPr lang="en-US" sz="1000" b="1" dirty="0"/>
+              <a:t>spearman  77 -0.222798  [-0.43, 0.01]  0.058142</a:t>
+            </a:r>
+          </a:p>
+          <a:p>
+            <a:r>
+              <a:rPr lang="en-US" sz="1000" dirty="0"/>
+              <a:t>PTAU.ABETA42</a:t>
+            </a:r>
+          </a:p>
+          <a:p>
+            <a:r>
+              <a:rPr lang="en-US" sz="1000" dirty="0"/>
+              <a:t>FDG-PET BAG</a:t>
+            </a:r>
+          </a:p>
+          <a:p>
+            <a:r>
+              <a:rPr lang="en-US" sz="1000" dirty="0"/>
+              <a:t>           n         r          CI95%     p-</a:t>
+            </a:r>
+            <a:r>
+              <a:rPr lang="en-US" sz="1000" dirty="0" err="1"/>
+              <a:t>val</a:t>
+            </a:r>
+            <a:endParaRPr lang="en-US" sz="1000" dirty="0"/>
+          </a:p>
+          <a:p>
+            <a:r>
+              <a:rPr lang="en-US" sz="1000" dirty="0"/>
+              <a:t>spearman  77  0.099393  [-0.13, 0.32]  0.402798</a:t>
+            </a:r>
+          </a:p>
+          <a:p>
+            <a:r>
+              <a:rPr lang="en-US" sz="1000" dirty="0"/>
+              <a:t>MRI BAG: </a:t>
+            </a:r>
+          </a:p>
+          <a:p>
+            <a:r>
+              <a:rPr lang="en-US" sz="1000" dirty="0"/>
+              <a:t>           n         r         CI95%     p-</a:t>
+            </a:r>
+            <a:r>
+              <a:rPr lang="en-US" sz="1000" dirty="0" err="1"/>
+              <a:t>val</a:t>
+            </a:r>
+            <a:endParaRPr lang="en-US" sz="1000" dirty="0"/>
+          </a:p>
+          <a:p>
+            <a:r>
+              <a:rPr lang="en-US" sz="1000" dirty="0"/>
+              <a:t>spearman  77 -0.033337  [-0.26, 0.2]  0.779484</a:t>
+            </a:r>
+            <a:endParaRPr lang="en-US" sz="1000" dirty="0"/>
           </a:p>
         </p:txBody>
       </p:sp>
     </p:spTree>
     <p:extLst>
       <p:ext uri="{BB962C8B-B14F-4D97-AF65-F5344CB8AC3E}">
-        <p14:creationId xmlns:p14="http://schemas.microsoft.com/office/powerpoint/2010/main" val="1569664208"/>
+        <p14:creationId xmlns:p14="http://schemas.microsoft.com/office/powerpoint/2010/main" val="2279696900"/>
       </p:ext>
     </p:extLst>
   </p:cSld>
@@ -8085,16 +9000,46 @@
           <a:p>
             <a:r>
               <a:rPr lang="en-US" dirty="0" smtClean="0"/>
-              <a:t>Interaction effect amyloid?</a:t>
+              <a:t>Cognitive Performance</a:t>
             </a:r>
             <a:endParaRPr lang="en-US" dirty="0"/>
           </a:p>
         </p:txBody>
       </p:sp>
+      <p:pic>
+        <p:nvPicPr>
+          <p:cNvPr id="3" name="Grafik 2"/>
+          <p:cNvPicPr>
+            <a:picLocks noChangeAspect="1"/>
+          </p:cNvPicPr>
+          <p:nvPr/>
+        </p:nvPicPr>
+        <p:blipFill>
+          <a:blip r:embed="rId2" cstate="print">
+            <a:extLst>
+              <a:ext uri="{28A0092B-C50C-407E-A947-70E740481C1C}">
+                <a14:useLocalDpi xmlns:a14="http://schemas.microsoft.com/office/drawing/2010/main" val="0"/>
+              </a:ext>
+            </a:extLst>
+          </a:blip>
+          <a:stretch>
+            <a:fillRect/>
+          </a:stretch>
+        </p:blipFill>
+        <p:spPr>
+          <a:xfrm>
+            <a:off x="838200" y="1766047"/>
+            <a:ext cx="4352408" cy="4349949"/>
+          </a:xfrm>
+          <a:prstGeom prst="rect">
+            <a:avLst/>
+          </a:prstGeom>
+        </p:spPr>
+      </p:pic>
     </p:spTree>
     <p:extLst>
       <p:ext uri="{BB962C8B-B14F-4D97-AF65-F5344CB8AC3E}">
-        <p14:creationId xmlns:p14="http://schemas.microsoft.com/office/powerpoint/2010/main" val="489734505"/>
+        <p14:creationId xmlns:p14="http://schemas.microsoft.com/office/powerpoint/2010/main" val="173260266"/>
       </p:ext>
     </p:extLst>
   </p:cSld>
@@ -8121,556 +9066,53 @@
           <a:chExt cx="0" cy="0"/>
         </a:xfrm>
       </p:grpSpPr>
-      <p:pic>
-        <p:nvPicPr>
-          <p:cNvPr id="4" name="Grafik 3"/>
-          <p:cNvPicPr>
-            <a:picLocks noChangeAspect="1"/>
-          </p:cNvPicPr>
-          <p:nvPr/>
-        </p:nvPicPr>
-        <p:blipFill>
-          <a:blip r:embed="rId2" cstate="print">
-            <a:extLst>
-              <a:ext uri="{28A0092B-C50C-407E-A947-70E740481C1C}">
-                <a14:useLocalDpi xmlns:a14="http://schemas.microsoft.com/office/drawing/2010/main" val="0"/>
-              </a:ext>
-            </a:extLst>
-          </a:blip>
-          <a:stretch>
-            <a:fillRect/>
-          </a:stretch>
-        </p:blipFill>
-        <p:spPr>
-          <a:xfrm>
-            <a:off x="833462" y="2472576"/>
-            <a:ext cx="10505907" cy="3808881"/>
-          </a:xfrm>
-          <a:prstGeom prst="rect">
-            <a:avLst/>
-          </a:prstGeom>
-        </p:spPr>
-      </p:pic>
-      <p:sp>
-        <p:nvSpPr>
-          <p:cNvPr id="7" name="Textfeld 6"/>
-          <p:cNvSpPr txBox="1"/>
-          <p:nvPr/>
-        </p:nvSpPr>
-        <p:spPr>
-          <a:xfrm>
-            <a:off x="1428207" y="6050854"/>
-            <a:ext cx="4450080" cy="201722"/>
-          </a:xfrm>
-          <a:prstGeom prst="rect">
-            <a:avLst/>
-          </a:prstGeom>
-          <a:solidFill>
-            <a:schemeClr val="bg1"/>
-          </a:solidFill>
-        </p:spPr>
-        <p:txBody>
-          <a:bodyPr wrap="square" rtlCol="0" anchor="ctr">
-            <a:spAutoFit/>
-          </a:bodyPr>
-          <a:lstStyle/>
-          <a:p>
-            <a:pPr algn="ctr">
-              <a:lnSpc>
-                <a:spcPts val="753"/>
-              </a:lnSpc>
-            </a:pPr>
-            <a:r>
-              <a:rPr lang="en-US" sz="1100" b="1" dirty="0" smtClean="0">
-                <a:latin typeface="Helvetica" pitchFamily="2" charset="0"/>
-              </a:rPr>
-              <a:t>FDG-PET BAG </a:t>
-            </a:r>
-            <a:r>
-              <a:rPr lang="en-US" sz="1100" dirty="0">
-                <a:latin typeface="Helvetica" pitchFamily="2" charset="0"/>
-              </a:rPr>
-              <a:t>[years]</a:t>
-            </a:r>
-          </a:p>
-        </p:txBody>
-      </p:sp>
-      <p:sp>
-        <p:nvSpPr>
-          <p:cNvPr id="8" name="Textfeld 7"/>
-          <p:cNvSpPr txBox="1"/>
-          <p:nvPr/>
-        </p:nvSpPr>
-        <p:spPr>
-          <a:xfrm>
-            <a:off x="6773005" y="6047277"/>
-            <a:ext cx="4450080" cy="201722"/>
-          </a:xfrm>
-          <a:prstGeom prst="rect">
-            <a:avLst/>
-          </a:prstGeom>
-          <a:solidFill>
-            <a:schemeClr val="bg1"/>
-          </a:solidFill>
-        </p:spPr>
-        <p:txBody>
-          <a:bodyPr wrap="square" rtlCol="0" anchor="ctr">
-            <a:spAutoFit/>
-          </a:bodyPr>
-          <a:lstStyle/>
-          <a:p>
-            <a:pPr algn="ctr">
-              <a:lnSpc>
-                <a:spcPts val="753"/>
-              </a:lnSpc>
-            </a:pPr>
-            <a:r>
-              <a:rPr lang="en-US" sz="1100" b="1" dirty="0" smtClean="0">
-                <a:latin typeface="Helvetica" pitchFamily="2" charset="0"/>
-              </a:rPr>
-              <a:t>MRI BAG </a:t>
-            </a:r>
-            <a:r>
-              <a:rPr lang="en-US" sz="1100" dirty="0">
-                <a:latin typeface="Helvetica" pitchFamily="2" charset="0"/>
-              </a:rPr>
-              <a:t>[years]</a:t>
-            </a:r>
-          </a:p>
-        </p:txBody>
-      </p:sp>
-      <p:sp>
-        <p:nvSpPr>
-          <p:cNvPr id="9" name="Rechteck 8"/>
-          <p:cNvSpPr/>
-          <p:nvPr/>
-        </p:nvSpPr>
-        <p:spPr>
-          <a:xfrm>
-            <a:off x="5068389" y="2697553"/>
-            <a:ext cx="505097" cy="131549"/>
-          </a:xfrm>
-          <a:prstGeom prst="rect">
-            <a:avLst/>
-          </a:prstGeom>
-          <a:solidFill>
-            <a:schemeClr val="bg1"/>
-          </a:solidFill>
-          <a:ln>
-            <a:noFill/>
-          </a:ln>
-        </p:spPr>
-        <p:style>
-          <a:lnRef idx="2">
-            <a:schemeClr val="accent1">
-              <a:shade val="50000"/>
-            </a:schemeClr>
-          </a:lnRef>
-          <a:fillRef idx="1">
-            <a:schemeClr val="accent1"/>
-          </a:fillRef>
-          <a:effectRef idx="0">
-            <a:schemeClr val="accent1"/>
-          </a:effectRef>
-          <a:fontRef idx="minor">
-            <a:schemeClr val="lt1"/>
-          </a:fontRef>
-        </p:style>
-        <p:txBody>
-          <a:bodyPr rtlCol="0" anchor="ctr"/>
+      <p:sp>
+        <p:nvSpPr>
+          <p:cNvPr id="4" name="Titel 3"/>
+          <p:cNvSpPr>
+            <a:spLocks noGrp="1"/>
+          </p:cNvSpPr>
+          <p:nvPr>
+            <p:ph type="title"/>
+          </p:nvPr>
+        </p:nvSpPr>
+        <p:spPr/>
+        <p:txBody>
+          <a:bodyPr/>
           <a:lstStyle/>
           <a:p>
             <a:pPr algn="ctr"/>
+            <a:r>
+              <a:rPr lang="en-US" dirty="0" smtClean="0"/>
+              <a:t>CU</a:t>
+            </a:r>
+            <a:endParaRPr lang="en-US" dirty="0"/>
+          </a:p>
+        </p:txBody>
+      </p:sp>
+      <p:sp>
+        <p:nvSpPr>
+          <p:cNvPr id="5" name="Textplatzhalter 4"/>
+          <p:cNvSpPr>
+            <a:spLocks noGrp="1"/>
+          </p:cNvSpPr>
+          <p:nvPr>
+            <p:ph type="body" idx="1"/>
+          </p:nvPr>
+        </p:nvSpPr>
+        <p:spPr/>
+        <p:txBody>
+          <a:bodyPr/>
+          <a:lstStyle/>
+          <a:p>
             <a:endParaRPr lang="en-US"/>
-          </a:p>
-        </p:txBody>
-      </p:sp>
-      <p:sp>
-        <p:nvSpPr>
-          <p:cNvPr id="10" name="Rechteck 9"/>
-          <p:cNvSpPr/>
-          <p:nvPr/>
-        </p:nvSpPr>
-        <p:spPr>
-          <a:xfrm>
-            <a:off x="5172891" y="2867372"/>
-            <a:ext cx="583475" cy="324320"/>
-          </a:xfrm>
-          <a:prstGeom prst="rect">
-            <a:avLst/>
-          </a:prstGeom>
-          <a:solidFill>
-            <a:schemeClr val="bg1"/>
-          </a:solidFill>
-          <a:ln>
-            <a:noFill/>
-          </a:ln>
-        </p:spPr>
-        <p:style>
-          <a:lnRef idx="2">
-            <a:schemeClr val="accent1">
-              <a:shade val="50000"/>
-            </a:schemeClr>
-          </a:lnRef>
-          <a:fillRef idx="1">
-            <a:schemeClr val="accent1"/>
-          </a:fillRef>
-          <a:effectRef idx="0">
-            <a:schemeClr val="accent1"/>
-          </a:effectRef>
-          <a:fontRef idx="minor">
-            <a:schemeClr val="lt1"/>
-          </a:fontRef>
-        </p:style>
-        <p:txBody>
-          <a:bodyPr rtlCol="0" anchor="ctr"/>
-          <a:lstStyle/>
-          <a:p>
-            <a:pPr algn="ctr"/>
-            <a:endParaRPr lang="en-US"/>
-          </a:p>
-        </p:txBody>
-      </p:sp>
-      <p:sp>
-        <p:nvSpPr>
-          <p:cNvPr id="11" name="Rechteck 10"/>
-          <p:cNvSpPr/>
-          <p:nvPr/>
-        </p:nvSpPr>
-        <p:spPr>
-          <a:xfrm>
-            <a:off x="10387105" y="2698603"/>
-            <a:ext cx="505097" cy="131549"/>
-          </a:xfrm>
-          <a:prstGeom prst="rect">
-            <a:avLst/>
-          </a:prstGeom>
-          <a:solidFill>
-            <a:schemeClr val="bg1"/>
-          </a:solidFill>
-          <a:ln>
-            <a:noFill/>
-          </a:ln>
-        </p:spPr>
-        <p:style>
-          <a:lnRef idx="2">
-            <a:schemeClr val="accent1">
-              <a:shade val="50000"/>
-            </a:schemeClr>
-          </a:lnRef>
-          <a:fillRef idx="1">
-            <a:schemeClr val="accent1"/>
-          </a:fillRef>
-          <a:effectRef idx="0">
-            <a:schemeClr val="accent1"/>
-          </a:effectRef>
-          <a:fontRef idx="minor">
-            <a:schemeClr val="lt1"/>
-          </a:fontRef>
-        </p:style>
-        <p:txBody>
-          <a:bodyPr rtlCol="0" anchor="ctr"/>
-          <a:lstStyle/>
-          <a:p>
-            <a:pPr algn="ctr"/>
-            <a:endParaRPr lang="en-US"/>
-          </a:p>
-        </p:txBody>
-      </p:sp>
-      <p:sp>
-        <p:nvSpPr>
-          <p:cNvPr id="12" name="Rechteck 11"/>
-          <p:cNvSpPr/>
-          <p:nvPr/>
-        </p:nvSpPr>
-        <p:spPr>
-          <a:xfrm>
-            <a:off x="10491607" y="2868422"/>
-            <a:ext cx="583475" cy="324320"/>
-          </a:xfrm>
-          <a:prstGeom prst="rect">
-            <a:avLst/>
-          </a:prstGeom>
-          <a:solidFill>
-            <a:schemeClr val="bg1"/>
-          </a:solidFill>
-          <a:ln>
-            <a:noFill/>
-          </a:ln>
-        </p:spPr>
-        <p:style>
-          <a:lnRef idx="2">
-            <a:schemeClr val="accent1">
-              <a:shade val="50000"/>
-            </a:schemeClr>
-          </a:lnRef>
-          <a:fillRef idx="1">
-            <a:schemeClr val="accent1"/>
-          </a:fillRef>
-          <a:effectRef idx="0">
-            <a:schemeClr val="accent1"/>
-          </a:effectRef>
-          <a:fontRef idx="minor">
-            <a:schemeClr val="lt1"/>
-          </a:fontRef>
-        </p:style>
-        <p:txBody>
-          <a:bodyPr rtlCol="0" anchor="ctr"/>
-          <a:lstStyle/>
-          <a:p>
-            <a:pPr algn="ctr"/>
-            <a:endParaRPr lang="en-US"/>
-          </a:p>
-        </p:txBody>
-      </p:sp>
-      <p:sp>
-        <p:nvSpPr>
-          <p:cNvPr id="13" name="Textfeld 12"/>
-          <p:cNvSpPr txBox="1"/>
-          <p:nvPr/>
-        </p:nvSpPr>
-        <p:spPr>
-          <a:xfrm>
-            <a:off x="4781002" y="2636590"/>
-            <a:ext cx="879566" cy="261610"/>
-          </a:xfrm>
-          <a:prstGeom prst="rect">
-            <a:avLst/>
-          </a:prstGeom>
-          <a:noFill/>
-        </p:spPr>
-        <p:txBody>
-          <a:bodyPr wrap="square" rtlCol="0">
-            <a:spAutoFit/>
-          </a:bodyPr>
-          <a:lstStyle/>
-          <a:p>
-            <a:r>
-              <a:rPr lang="en-US" sz="1100" b="1" dirty="0" smtClean="0">
-                <a:latin typeface="Helvetica" pitchFamily="2" charset="0"/>
-              </a:rPr>
-              <a:t>Category</a:t>
-            </a:r>
-            <a:endParaRPr lang="en-US" sz="1100" b="1" dirty="0">
-              <a:latin typeface="Helvetica" pitchFamily="2" charset="0"/>
-            </a:endParaRPr>
-          </a:p>
-        </p:txBody>
-      </p:sp>
-      <p:sp>
-        <p:nvSpPr>
-          <p:cNvPr id="14" name="Textfeld 13"/>
-          <p:cNvSpPr txBox="1"/>
-          <p:nvPr/>
-        </p:nvSpPr>
-        <p:spPr>
-          <a:xfrm>
-            <a:off x="10101938" y="2636590"/>
-            <a:ext cx="885138" cy="261610"/>
-          </a:xfrm>
-          <a:prstGeom prst="rect">
-            <a:avLst/>
-          </a:prstGeom>
-          <a:noFill/>
-        </p:spPr>
-        <p:txBody>
-          <a:bodyPr wrap="square" rtlCol="0">
-            <a:spAutoFit/>
-          </a:bodyPr>
-          <a:lstStyle/>
-          <a:p>
-            <a:r>
-              <a:rPr lang="en-US" sz="1100" b="1" dirty="0" smtClean="0">
-                <a:latin typeface="Helvetica" pitchFamily="2" charset="0"/>
-              </a:rPr>
-              <a:t>Category</a:t>
-            </a:r>
-            <a:endParaRPr lang="en-US" sz="1100" b="1" dirty="0">
-              <a:latin typeface="Helvetica" pitchFamily="2" charset="0"/>
-            </a:endParaRPr>
-          </a:p>
-        </p:txBody>
-      </p:sp>
-      <p:sp>
-        <p:nvSpPr>
-          <p:cNvPr id="15" name="Textfeld 14"/>
-          <p:cNvSpPr txBox="1"/>
-          <p:nvPr/>
-        </p:nvSpPr>
-        <p:spPr>
-          <a:xfrm>
-            <a:off x="5059405" y="2787123"/>
-            <a:ext cx="879566" cy="464743"/>
-          </a:xfrm>
-          <a:prstGeom prst="rect">
-            <a:avLst/>
-          </a:prstGeom>
-          <a:noFill/>
-        </p:spPr>
-        <p:txBody>
-          <a:bodyPr wrap="square" rtlCol="0">
-            <a:spAutoFit/>
-          </a:bodyPr>
-          <a:lstStyle/>
-          <a:p>
-            <a:r>
-              <a:rPr lang="en-US" sz="1100" dirty="0" smtClean="0">
-                <a:latin typeface="Helvetica" pitchFamily="2" charset="0"/>
-              </a:rPr>
-              <a:t>Stable</a:t>
-            </a:r>
-          </a:p>
-          <a:p>
-            <a:pPr>
-              <a:lnSpc>
-                <a:spcPct val="120000"/>
-              </a:lnSpc>
-            </a:pPr>
-            <a:r>
-              <a:rPr lang="en-US" sz="1100" dirty="0" smtClean="0">
-                <a:latin typeface="Helvetica" pitchFamily="2" charset="0"/>
-              </a:rPr>
-              <a:t>Decline </a:t>
-            </a:r>
-            <a:endParaRPr lang="en-US" sz="1100" dirty="0">
-              <a:latin typeface="Helvetica" pitchFamily="2" charset="0"/>
-            </a:endParaRPr>
-          </a:p>
-        </p:txBody>
-      </p:sp>
-      <p:sp>
-        <p:nvSpPr>
-          <p:cNvPr id="16" name="Textfeld 15"/>
-          <p:cNvSpPr txBox="1"/>
-          <p:nvPr/>
-        </p:nvSpPr>
-        <p:spPr>
-          <a:xfrm>
-            <a:off x="10385995" y="2795538"/>
-            <a:ext cx="879566" cy="464743"/>
-          </a:xfrm>
-          <a:prstGeom prst="rect">
-            <a:avLst/>
-          </a:prstGeom>
-          <a:noFill/>
-        </p:spPr>
-        <p:txBody>
-          <a:bodyPr wrap="square" rtlCol="0">
-            <a:spAutoFit/>
-          </a:bodyPr>
-          <a:lstStyle/>
-          <a:p>
-            <a:r>
-              <a:rPr lang="en-US" sz="1100" dirty="0" smtClean="0">
-                <a:latin typeface="Helvetica" pitchFamily="2" charset="0"/>
-              </a:rPr>
-              <a:t>Stable</a:t>
-            </a:r>
-          </a:p>
-          <a:p>
-            <a:pPr>
-              <a:lnSpc>
-                <a:spcPct val="120000"/>
-              </a:lnSpc>
-            </a:pPr>
-            <a:r>
-              <a:rPr lang="en-US" sz="1100" dirty="0" smtClean="0">
-                <a:latin typeface="Helvetica" pitchFamily="2" charset="0"/>
-              </a:rPr>
-              <a:t>Decline </a:t>
-            </a:r>
-            <a:endParaRPr lang="en-US" sz="1100" dirty="0">
-              <a:latin typeface="Helvetica" pitchFamily="2" charset="0"/>
-            </a:endParaRPr>
-          </a:p>
-        </p:txBody>
-      </p:sp>
-      <p:sp>
-        <p:nvSpPr>
-          <p:cNvPr id="18" name="Textfeld 17"/>
-          <p:cNvSpPr txBox="1"/>
-          <p:nvPr/>
-        </p:nvSpPr>
-        <p:spPr>
-          <a:xfrm rot="16200000">
-            <a:off x="-684725" y="4120357"/>
-            <a:ext cx="3307977" cy="195073"/>
-          </a:xfrm>
-          <a:prstGeom prst="rect">
-            <a:avLst/>
-          </a:prstGeom>
-          <a:solidFill>
-            <a:schemeClr val="bg1"/>
-          </a:solidFill>
-        </p:spPr>
-        <p:txBody>
-          <a:bodyPr wrap="square" rtlCol="0" anchor="ctr">
-            <a:spAutoFit/>
-          </a:bodyPr>
-          <a:lstStyle/>
-          <a:p>
-            <a:pPr algn="ctr">
-              <a:lnSpc>
-                <a:spcPts val="753"/>
-              </a:lnSpc>
-            </a:pPr>
-            <a:r>
-              <a:rPr lang="en-US" sz="1100" b="1" dirty="0" smtClean="0">
-                <a:latin typeface="Helvetica" pitchFamily="2" charset="0"/>
-              </a:rPr>
-              <a:t>Density</a:t>
-            </a:r>
-            <a:endParaRPr lang="en-US" sz="1100" b="1" dirty="0">
-              <a:latin typeface="Helvetica" pitchFamily="2" charset="0"/>
-            </a:endParaRPr>
-          </a:p>
-        </p:txBody>
-      </p:sp>
-      <p:sp>
-        <p:nvSpPr>
-          <p:cNvPr id="19" name="Textfeld 18"/>
-          <p:cNvSpPr txBox="1"/>
-          <p:nvPr/>
-        </p:nvSpPr>
-        <p:spPr>
-          <a:xfrm rot="16200000">
-            <a:off x="4634099" y="4120356"/>
-            <a:ext cx="3307977" cy="195073"/>
-          </a:xfrm>
-          <a:prstGeom prst="rect">
-            <a:avLst/>
-          </a:prstGeom>
-          <a:solidFill>
-            <a:schemeClr val="bg1"/>
-          </a:solidFill>
-        </p:spPr>
-        <p:txBody>
-          <a:bodyPr wrap="square" rtlCol="0" anchor="ctr">
-            <a:spAutoFit/>
-          </a:bodyPr>
-          <a:lstStyle/>
-          <a:p>
-            <a:pPr algn="ctr">
-              <a:lnSpc>
-                <a:spcPts val="753"/>
-              </a:lnSpc>
-            </a:pPr>
-            <a:r>
-              <a:rPr lang="en-US" sz="1100" b="1" dirty="0" smtClean="0">
-                <a:latin typeface="Helvetica" pitchFamily="2" charset="0"/>
-              </a:rPr>
-              <a:t>Density</a:t>
-            </a:r>
-            <a:endParaRPr lang="en-US" sz="1100" b="1" dirty="0">
-              <a:latin typeface="Helvetica" pitchFamily="2" charset="0"/>
-            </a:endParaRPr>
           </a:p>
         </p:txBody>
       </p:sp>
     </p:spTree>
     <p:extLst>
       <p:ext uri="{BB962C8B-B14F-4D97-AF65-F5344CB8AC3E}">
-        <p14:creationId xmlns:p14="http://schemas.microsoft.com/office/powerpoint/2010/main" val="2190040132"/>
+        <p14:creationId xmlns:p14="http://schemas.microsoft.com/office/powerpoint/2010/main" val="648806708"/>
       </p:ext>
     </p:extLst>
   </p:cSld>
@@ -8699,7 +9141,7 @@
       </p:grpSpPr>
       <p:sp>
         <p:nvSpPr>
-          <p:cNvPr id="2" name="Titel 1"/>
+          <p:cNvPr id="4" name="Titel 3"/>
           <p:cNvSpPr>
             <a:spLocks noGrp="1"/>
           </p:cNvSpPr>
@@ -8712,396 +9154,441 @@
           <a:bodyPr/>
           <a:lstStyle/>
           <a:p>
-            <a:endParaRPr lang="en-US"/>
-          </a:p>
-        </p:txBody>
-      </p:sp>
-      <p:pic>
-        <p:nvPicPr>
-          <p:cNvPr id="7" name="Grafik 6"/>
-          <p:cNvPicPr>
-            <a:picLocks noChangeAspect="1"/>
-          </p:cNvPicPr>
+            <a:r>
+              <a:rPr lang="en-US" dirty="0" smtClean="0"/>
+              <a:t>Correlations</a:t>
+            </a:r>
+            <a:endParaRPr lang="en-US" dirty="0"/>
+          </a:p>
+        </p:txBody>
+      </p:sp>
+      <p:sp>
+        <p:nvSpPr>
+          <p:cNvPr id="6" name="Rechteck 5"/>
+          <p:cNvSpPr/>
           <p:nvPr/>
-        </p:nvPicPr>
-        <p:blipFill rotWithShape="1">
-          <a:blip r:embed="rId2">
-            <a:extLst>
-              <a:ext uri="{28A0092B-C50C-407E-A947-70E740481C1C}">
-                <a14:useLocalDpi xmlns:a14="http://schemas.microsoft.com/office/drawing/2010/main" val="0"/>
-              </a:ext>
-            </a:extLst>
-          </a:blip>
-          <a:srcRect t="6096"/>
-          <a:stretch/>
-        </p:blipFill>
+        </p:nvSpPr>
         <p:spPr>
           <a:xfrm>
-            <a:off x="3277888" y="2211976"/>
-            <a:ext cx="5285242" cy="3906887"/>
+            <a:off x="838200" y="2208266"/>
+            <a:ext cx="6096000" cy="2246769"/>
           </a:xfrm>
           <a:prstGeom prst="rect">
             <a:avLst/>
           </a:prstGeom>
         </p:spPr>
-      </p:pic>
-      <p:sp>
-        <p:nvSpPr>
-          <p:cNvPr id="8" name="Textfeld 7"/>
-          <p:cNvSpPr txBox="1"/>
+        <p:txBody>
+          <a:bodyPr>
+            <a:spAutoFit/>
+          </a:bodyPr>
+          <a:lstStyle/>
+          <a:p>
+            <a:r>
+              <a:rPr lang="en-US" sz="1000" dirty="0"/>
+              <a:t>ADNI_EF</a:t>
+            </a:r>
+          </a:p>
+          <a:p>
+            <a:r>
+              <a:rPr lang="en-US" sz="1000" dirty="0"/>
+              <a:t>FDG-PET BAG</a:t>
+            </a:r>
+          </a:p>
+          <a:p>
+            <a:r>
+              <a:rPr lang="en-US" sz="1000" dirty="0"/>
+              <a:t>           n         r          CI95%     p-</a:t>
+            </a:r>
+            <a:r>
+              <a:rPr lang="en-US" sz="1000" dirty="0" err="1"/>
+              <a:t>val</a:t>
+            </a:r>
+            <a:endParaRPr lang="en-US" sz="1000" dirty="0"/>
+          </a:p>
+          <a:p>
+            <a:r>
+              <a:rPr lang="en-US" sz="1000" dirty="0"/>
+              <a:t>pearson  237  0.012923  [-0.12, 0.14]  0.844115</a:t>
+            </a:r>
+          </a:p>
+          <a:p>
+            <a:r>
+              <a:rPr lang="en-US" sz="1000" dirty="0"/>
+              <a:t>MRI BAG: </a:t>
+            </a:r>
+          </a:p>
+          <a:p>
+            <a:r>
+              <a:rPr lang="en-US" sz="1000" dirty="0"/>
+              <a:t>           n        r          CI95%     p-</a:t>
+            </a:r>
+            <a:r>
+              <a:rPr lang="en-US" sz="1000" dirty="0" err="1"/>
+              <a:t>val</a:t>
+            </a:r>
+            <a:endParaRPr lang="en-US" sz="1000" dirty="0"/>
+          </a:p>
+          <a:p>
+            <a:r>
+              <a:rPr lang="en-US" sz="1000" dirty="0"/>
+              <a:t>pearson  237  0.03708  [-0.09, 0.16]  0.572505</a:t>
+            </a:r>
+          </a:p>
+          <a:p>
+            <a:r>
+              <a:rPr lang="en-US" sz="1000" dirty="0"/>
+              <a:t>ADNI_MEM</a:t>
+            </a:r>
+          </a:p>
+          <a:p>
+            <a:r>
+              <a:rPr lang="en-US" sz="1000" dirty="0"/>
+              <a:t>FDG-PET BAG</a:t>
+            </a:r>
+          </a:p>
+          <a:p>
+            <a:r>
+              <a:rPr lang="en-US" sz="1000" dirty="0"/>
+              <a:t>           n         r          CI95%     p-</a:t>
+            </a:r>
+            <a:r>
+              <a:rPr lang="en-US" sz="1000" dirty="0" err="1"/>
+              <a:t>val</a:t>
+            </a:r>
+            <a:endParaRPr lang="en-US" sz="1000" dirty="0"/>
+          </a:p>
+          <a:p>
+            <a:r>
+              <a:rPr lang="en-US" sz="1000" dirty="0"/>
+              <a:t>pearson  237 -0.014314  [-0.14, 0.11]  0.827588</a:t>
+            </a:r>
+          </a:p>
+          <a:p>
+            <a:r>
+              <a:rPr lang="en-US" sz="1000" dirty="0"/>
+              <a:t>MRI BAG: </a:t>
+            </a:r>
+          </a:p>
+          <a:p>
+            <a:r>
+              <a:rPr lang="en-US" sz="1000" dirty="0"/>
+              <a:t>           n         r         CI95%     p-</a:t>
+            </a:r>
+            <a:r>
+              <a:rPr lang="en-US" sz="1000" dirty="0" err="1"/>
+              <a:t>val</a:t>
+            </a:r>
+            <a:endParaRPr lang="en-US" sz="1000" dirty="0"/>
+          </a:p>
+          <a:p>
+            <a:r>
+              <a:rPr lang="en-US" sz="1000" dirty="0"/>
+              <a:t>pearson  237 -0.023679  [-0.15, 0.1]  </a:t>
+            </a:r>
+            <a:r>
+              <a:rPr lang="en-US" sz="1000" dirty="0" smtClean="0"/>
+              <a:t>0.718605</a:t>
+            </a:r>
+            <a:endParaRPr lang="en-US" sz="1000" dirty="0"/>
+          </a:p>
+        </p:txBody>
+      </p:sp>
+      <p:sp>
+        <p:nvSpPr>
+          <p:cNvPr id="7" name="Rechteck 6"/>
+          <p:cNvSpPr/>
           <p:nvPr/>
         </p:nvSpPr>
         <p:spPr>
           <a:xfrm>
-            <a:off x="3818455" y="5877252"/>
-            <a:ext cx="4549418" cy="201722"/>
+            <a:off x="5154706" y="592438"/>
+            <a:ext cx="6096000" cy="5478423"/>
           </a:xfrm>
           <a:prstGeom prst="rect">
             <a:avLst/>
           </a:prstGeom>
-          <a:solidFill>
-            <a:schemeClr val="bg1"/>
-          </a:solidFill>
-        </p:spPr>
-        <p:txBody>
-          <a:bodyPr wrap="square" rtlCol="0" anchor="ctr">
+        </p:spPr>
+        <p:txBody>
+          <a:bodyPr>
             <a:spAutoFit/>
           </a:bodyPr>
           <a:lstStyle/>
           <a:p>
-            <a:pPr algn="ctr">
-              <a:lnSpc>
-                <a:spcPts val="753"/>
-              </a:lnSpc>
-            </a:pPr>
-            <a:r>
-              <a:rPr lang="en-US" sz="1100" b="1" dirty="0" smtClean="0">
-                <a:latin typeface="Helvetica" pitchFamily="2" charset="0"/>
-              </a:rPr>
-              <a:t>1-Specificity</a:t>
-            </a:r>
-            <a:endParaRPr lang="en-US" sz="1100" dirty="0">
-              <a:latin typeface="Helvetica" pitchFamily="2" charset="0"/>
-            </a:endParaRPr>
-          </a:p>
-        </p:txBody>
-      </p:sp>
-      <p:sp>
-        <p:nvSpPr>
-          <p:cNvPr id="9" name="Textfeld 8"/>
-          <p:cNvSpPr txBox="1"/>
-          <p:nvPr/>
-        </p:nvSpPr>
-        <p:spPr>
-          <a:xfrm rot="16200000">
-            <a:off x="1703434" y="3856213"/>
-            <a:ext cx="3415554" cy="194925"/>
-          </a:xfrm>
-          <a:prstGeom prst="rect">
-            <a:avLst/>
-          </a:prstGeom>
-          <a:solidFill>
-            <a:schemeClr val="bg1"/>
-          </a:solidFill>
-        </p:spPr>
-        <p:txBody>
-          <a:bodyPr wrap="square" rtlCol="0" anchor="ctr">
-            <a:spAutoFit/>
-          </a:bodyPr>
-          <a:lstStyle/>
-          <a:p>
-            <a:pPr algn="ctr">
-              <a:lnSpc>
-                <a:spcPts val="753"/>
-              </a:lnSpc>
-            </a:pPr>
-            <a:r>
-              <a:rPr lang="en-US" sz="1100" b="1" dirty="0" smtClean="0">
-                <a:latin typeface="Helvetica" pitchFamily="2" charset="0"/>
-              </a:rPr>
-              <a:t>Sensitivity</a:t>
-            </a:r>
-            <a:endParaRPr lang="en-US" sz="1100" dirty="0">
-              <a:latin typeface="Helvetica" pitchFamily="2" charset="0"/>
-            </a:endParaRPr>
-          </a:p>
-        </p:txBody>
-      </p:sp>
-      <p:sp>
-        <p:nvSpPr>
-          <p:cNvPr id="11" name="Rechteck 10"/>
-          <p:cNvSpPr/>
-          <p:nvPr/>
-        </p:nvSpPr>
-        <p:spPr>
-          <a:xfrm>
-            <a:off x="6400800" y="4410635"/>
-            <a:ext cx="1882588" cy="1147483"/>
-          </a:xfrm>
-          <a:prstGeom prst="rect">
-            <a:avLst/>
-          </a:prstGeom>
-          <a:solidFill>
-            <a:schemeClr val="bg1"/>
-          </a:solidFill>
-          <a:ln>
-            <a:noFill/>
-          </a:ln>
-        </p:spPr>
-        <p:style>
-          <a:lnRef idx="2">
-            <a:schemeClr val="accent1">
-              <a:shade val="50000"/>
-            </a:schemeClr>
-          </a:lnRef>
-          <a:fillRef idx="1">
-            <a:schemeClr val="accent1"/>
-          </a:fillRef>
-          <a:effectRef idx="0">
-            <a:schemeClr val="accent1"/>
-          </a:effectRef>
-          <a:fontRef idx="minor">
-            <a:schemeClr val="lt1"/>
-          </a:fontRef>
-        </p:style>
-        <p:txBody>
-          <a:bodyPr rtlCol="0" anchor="ctr"/>
-          <a:lstStyle/>
-          <a:p>
-            <a:pPr algn="ctr"/>
-            <a:endParaRPr lang="en-US"/>
-          </a:p>
-        </p:txBody>
-      </p:sp>
-      <p:sp>
-        <p:nvSpPr>
-          <p:cNvPr id="12" name="Rechteck 11"/>
-          <p:cNvSpPr/>
-          <p:nvPr/>
-        </p:nvSpPr>
-        <p:spPr>
-          <a:xfrm>
-            <a:off x="7162800" y="4168588"/>
-            <a:ext cx="1205073" cy="1442764"/>
-          </a:xfrm>
-          <a:prstGeom prst="rect">
-            <a:avLst/>
-          </a:prstGeom>
-          <a:solidFill>
-            <a:schemeClr val="bg1"/>
-          </a:solidFill>
-          <a:ln>
-            <a:noFill/>
-          </a:ln>
-        </p:spPr>
-        <p:style>
-          <a:lnRef idx="2">
-            <a:schemeClr val="accent1">
-              <a:shade val="50000"/>
-            </a:schemeClr>
-          </a:lnRef>
-          <a:fillRef idx="1">
-            <a:schemeClr val="accent1"/>
-          </a:fillRef>
-          <a:effectRef idx="0">
-            <a:schemeClr val="accent1"/>
-          </a:effectRef>
-          <a:fontRef idx="minor">
-            <a:schemeClr val="lt1"/>
-          </a:fontRef>
-        </p:style>
-        <p:txBody>
-          <a:bodyPr rtlCol="0" anchor="ctr"/>
-          <a:lstStyle/>
-          <a:p>
-            <a:pPr algn="ctr"/>
-            <a:endParaRPr lang="en-US"/>
-          </a:p>
-        </p:txBody>
-      </p:sp>
-      <p:sp>
-        <p:nvSpPr>
-          <p:cNvPr id="10" name="Textfeld 9"/>
-          <p:cNvSpPr txBox="1"/>
-          <p:nvPr/>
-        </p:nvSpPr>
-        <p:spPr>
-          <a:xfrm>
-            <a:off x="6363393" y="4347720"/>
-            <a:ext cx="1579418" cy="1261884"/>
-          </a:xfrm>
-          <a:prstGeom prst="rect">
-            <a:avLst/>
-          </a:prstGeom>
-          <a:noFill/>
-        </p:spPr>
-        <p:txBody>
-          <a:bodyPr wrap="square" rtlCol="0">
-            <a:spAutoFit/>
-          </a:bodyPr>
-          <a:lstStyle/>
-          <a:p>
-            <a:r>
-              <a:rPr lang="en-US" sz="950" b="1" dirty="0" smtClean="0">
-                <a:latin typeface="Helvetica" pitchFamily="2" charset="0"/>
-              </a:rPr>
+            <a:r>
+              <a:rPr lang="en-US" sz="1000" dirty="0"/>
+              <a:t>SUMMARYSUVR_WHOLECEREBNORM</a:t>
+            </a:r>
+          </a:p>
+          <a:p>
+            <a:r>
+              <a:rPr lang="en-US" sz="1000" dirty="0"/>
               <a:t>FDG-PET BAG</a:t>
             </a:r>
           </a:p>
           <a:p>
             <a:r>
-              <a:rPr lang="en-US" sz="950" b="1" dirty="0" smtClean="0">
-                <a:latin typeface="Helvetica" pitchFamily="2" charset="0"/>
-              </a:rPr>
-              <a:t>MRI BAG</a:t>
-            </a:r>
-          </a:p>
-          <a:p>
-            <a:r>
-              <a:rPr lang="en-US" sz="950" b="1" dirty="0" smtClean="0">
-                <a:latin typeface="Helvetica" pitchFamily="2" charset="0"/>
-              </a:rPr>
-              <a:t>Hippocampus GMV</a:t>
-            </a:r>
-          </a:p>
-          <a:p>
-            <a:r>
-              <a:rPr lang="en-US" sz="950" b="1" dirty="0" smtClean="0">
-                <a:latin typeface="Helvetica" pitchFamily="2" charset="0"/>
-              </a:rPr>
-              <a:t>AV45-PET </a:t>
-            </a:r>
-          </a:p>
-          <a:p>
-            <a:r>
-              <a:rPr lang="en-US" sz="950" b="1" dirty="0" smtClean="0">
-                <a:latin typeface="Helvetica" pitchFamily="2" charset="0"/>
-              </a:rPr>
-              <a:t>Precuneus SUVR</a:t>
-            </a:r>
-          </a:p>
-          <a:p>
-            <a:r>
-              <a:rPr lang="en-US" sz="950" b="1" dirty="0" smtClean="0">
-                <a:latin typeface="Helvetica" pitchFamily="2" charset="0"/>
-              </a:rPr>
-              <a:t>p-tau</a:t>
-            </a:r>
-            <a:r>
-              <a:rPr lang="en-US" sz="950" b="1" baseline="-25000" dirty="0" smtClean="0">
-                <a:latin typeface="Helvetica" pitchFamily="2" charset="0"/>
-              </a:rPr>
-              <a:t>181</a:t>
-            </a:r>
-            <a:r>
-              <a:rPr lang="en-US" sz="950" b="1" dirty="0" smtClean="0">
-                <a:latin typeface="Helvetica" pitchFamily="2" charset="0"/>
-              </a:rPr>
-              <a:t>/A</a:t>
-            </a:r>
-            <a:r>
-              <a:rPr lang="el-GR" sz="950" b="1" dirty="0" smtClean="0">
-                <a:latin typeface="Helvetica" pitchFamily="2" charset="0"/>
-              </a:rPr>
-              <a:t>β</a:t>
-            </a:r>
-            <a:r>
-              <a:rPr lang="de-DE" sz="950" b="1" baseline="-25000" dirty="0" smtClean="0">
-                <a:latin typeface="Helvetica" pitchFamily="2" charset="0"/>
-              </a:rPr>
-              <a:t>1-42</a:t>
-            </a:r>
-            <a:r>
-              <a:rPr lang="de-DE" sz="950" b="1" dirty="0" smtClean="0">
-                <a:latin typeface="Helvetica" pitchFamily="2" charset="0"/>
-              </a:rPr>
-              <a:t> </a:t>
-            </a:r>
-            <a:r>
-              <a:rPr lang="de-DE" sz="950" b="1" dirty="0" err="1" smtClean="0">
-                <a:latin typeface="Helvetica" pitchFamily="2" charset="0"/>
-              </a:rPr>
-              <a:t>ratio</a:t>
-            </a:r>
-            <a:endParaRPr lang="en-US" sz="950" b="1" dirty="0" smtClean="0">
-              <a:latin typeface="Helvetica" pitchFamily="2" charset="0"/>
-            </a:endParaRPr>
-          </a:p>
-          <a:p>
-            <a:r>
-              <a:rPr lang="en-US" sz="950" b="1" dirty="0" smtClean="0">
-                <a:latin typeface="Helvetica" pitchFamily="2" charset="0"/>
-              </a:rPr>
-              <a:t>MMSE</a:t>
-            </a:r>
-          </a:p>
-          <a:p>
-            <a:r>
-              <a:rPr lang="en-US" sz="950" b="1" dirty="0" smtClean="0">
-                <a:latin typeface="Helvetica" pitchFamily="2" charset="0"/>
-              </a:rPr>
-              <a:t>age</a:t>
-            </a:r>
-            <a:endParaRPr lang="en-US" sz="950" b="1" dirty="0">
-              <a:latin typeface="Helvetica" pitchFamily="2" charset="0"/>
-            </a:endParaRPr>
-          </a:p>
-        </p:txBody>
-      </p:sp>
-      <p:sp>
-        <p:nvSpPr>
-          <p:cNvPr id="14" name="Abgerundetes Rechteck 13"/>
-          <p:cNvSpPr/>
-          <p:nvPr/>
-        </p:nvSpPr>
-        <p:spPr>
-          <a:xfrm>
-            <a:off x="6076540" y="4393275"/>
-            <a:ext cx="2064718" cy="1188000"/>
-          </a:xfrm>
-          <a:prstGeom prst="roundRect">
-            <a:avLst>
-              <a:gd name="adj" fmla="val 1823"/>
-            </a:avLst>
-          </a:prstGeom>
-          <a:noFill/>
-          <a:ln w="19050">
-            <a:solidFill>
-              <a:schemeClr val="bg1">
-                <a:lumMod val="85000"/>
-              </a:schemeClr>
-            </a:solidFill>
-          </a:ln>
-        </p:spPr>
-        <p:style>
-          <a:lnRef idx="2">
-            <a:schemeClr val="accent1">
-              <a:shade val="50000"/>
-            </a:schemeClr>
-          </a:lnRef>
-          <a:fillRef idx="1">
-            <a:schemeClr val="accent1"/>
-          </a:fillRef>
-          <a:effectRef idx="0">
-            <a:schemeClr val="accent1"/>
-          </a:effectRef>
-          <a:fontRef idx="minor">
-            <a:schemeClr val="lt1"/>
-          </a:fontRef>
-        </p:style>
-        <p:txBody>
-          <a:bodyPr rtlCol="0" anchor="ctr"/>
-          <a:lstStyle/>
-          <a:p>
-            <a:pPr algn="ctr"/>
-            <a:endParaRPr lang="en-US"/>
+              <a:rPr lang="en-US" sz="1000" dirty="0"/>
+              <a:t>            n         r         CI95%    p-</a:t>
+            </a:r>
+            <a:r>
+              <a:rPr lang="en-US" sz="1000" dirty="0" err="1"/>
+              <a:t>val</a:t>
+            </a:r>
+            <a:endParaRPr lang="en-US" sz="1000" dirty="0"/>
+          </a:p>
+          <a:p>
+            <a:r>
+              <a:rPr lang="en-US" sz="1000" dirty="0"/>
+              <a:t>spearman  230  0.071075  [-0.06, 0.2]  0.28737</a:t>
+            </a:r>
+          </a:p>
+          <a:p>
+            <a:r>
+              <a:rPr lang="en-US" sz="1000" dirty="0"/>
+              <a:t>MRI BAG: </a:t>
+            </a:r>
+          </a:p>
+          <a:p>
+            <a:r>
+              <a:rPr lang="en-US" sz="1000" dirty="0"/>
+              <a:t>            n         r         CI95%     p-</a:t>
+            </a:r>
+            <a:r>
+              <a:rPr lang="en-US" sz="1000" dirty="0" err="1"/>
+              <a:t>val</a:t>
+            </a:r>
+            <a:endParaRPr lang="en-US" sz="1000" dirty="0"/>
+          </a:p>
+          <a:p>
+            <a:r>
+              <a:rPr lang="en-US" sz="1000" dirty="0"/>
+              <a:t>spearman  230 -0.026349  [-0.16, 0.1]  0.693594</a:t>
+            </a:r>
+          </a:p>
+          <a:p>
+            <a:r>
+              <a:rPr lang="en-US" sz="1000" dirty="0"/>
+              <a:t>ABETA42_recalculated</a:t>
+            </a:r>
+          </a:p>
+          <a:p>
+            <a:r>
+              <a:rPr lang="en-US" sz="1000" b="1" dirty="0"/>
+              <a:t>FDG-PET BAG</a:t>
+            </a:r>
+          </a:p>
+          <a:p>
+            <a:r>
+              <a:rPr lang="en-US" sz="1000" b="1" dirty="0"/>
+              <a:t>            n         r           CI95%     p-</a:t>
+            </a:r>
+            <a:r>
+              <a:rPr lang="en-US" sz="1000" b="1" dirty="0" err="1"/>
+              <a:t>val</a:t>
+            </a:r>
+            <a:endParaRPr lang="en-US" sz="1000" b="1" dirty="0"/>
+          </a:p>
+          <a:p>
+            <a:r>
+              <a:rPr lang="en-US" sz="1000" b="1" dirty="0"/>
+              <a:t>spearman  210 -0.155491  [-0.29, -0.02]  </a:t>
+            </a:r>
+            <a:r>
+              <a:rPr lang="en-US" sz="1000" b="1" dirty="0" smtClean="0"/>
+              <a:t>0.025633 *</a:t>
+            </a:r>
+            <a:endParaRPr lang="en-US" sz="1000" b="1" dirty="0"/>
+          </a:p>
+          <a:p>
+            <a:r>
+              <a:rPr lang="en-US" sz="1000" dirty="0"/>
+              <a:t>MRI BAG: </a:t>
+            </a:r>
+          </a:p>
+          <a:p>
+            <a:r>
+              <a:rPr lang="en-US" sz="1000" dirty="0"/>
+              <a:t>            n         r         CI95%     p-</a:t>
+            </a:r>
+            <a:r>
+              <a:rPr lang="en-US" sz="1000" dirty="0" err="1"/>
+              <a:t>val</a:t>
+            </a:r>
+            <a:endParaRPr lang="en-US" sz="1000" dirty="0"/>
+          </a:p>
+          <a:p>
+            <a:r>
+              <a:rPr lang="en-US" sz="1000" dirty="0"/>
+              <a:t>spearman  210 -0.034029  [-0.17, 0.1]  0.627265</a:t>
+            </a:r>
+          </a:p>
+          <a:p>
+            <a:r>
+              <a:rPr lang="en-US" sz="1000" dirty="0"/>
+              <a:t>TAU</a:t>
+            </a:r>
+          </a:p>
+          <a:p>
+            <a:r>
+              <a:rPr lang="en-US" sz="1000" dirty="0"/>
+              <a:t>FDG-PET BAG</a:t>
+            </a:r>
+          </a:p>
+          <a:p>
+            <a:r>
+              <a:rPr lang="en-US" sz="1000" dirty="0"/>
+              <a:t>            n       r          CI95%     p-</a:t>
+            </a:r>
+            <a:r>
+              <a:rPr lang="en-US" sz="1000" dirty="0" err="1"/>
+              <a:t>val</a:t>
+            </a:r>
+            <a:endParaRPr lang="en-US" sz="1000" dirty="0"/>
+          </a:p>
+          <a:p>
+            <a:r>
+              <a:rPr lang="en-US" sz="1000" dirty="0"/>
+              <a:t>spearman  210 -0.0445  [-0.18, 0.09]  0.525348</a:t>
+            </a:r>
+          </a:p>
+          <a:p>
+            <a:r>
+              <a:rPr lang="en-US" sz="1000" dirty="0"/>
+              <a:t>MRI BAG: </a:t>
+            </a:r>
+          </a:p>
+          <a:p>
+            <a:r>
+              <a:rPr lang="en-US" sz="1000" dirty="0"/>
+              <a:t>            n         r         CI95%     p-</a:t>
+            </a:r>
+            <a:r>
+              <a:rPr lang="en-US" sz="1000" dirty="0" err="1"/>
+              <a:t>val</a:t>
+            </a:r>
+            <a:endParaRPr lang="en-US" sz="1000" dirty="0"/>
+          </a:p>
+          <a:p>
+            <a:r>
+              <a:rPr lang="en-US" sz="1000" dirty="0"/>
+              <a:t>spearman  210 -0.032743  [-0.17, 0.1]  0.640342</a:t>
+            </a:r>
+          </a:p>
+          <a:p>
+            <a:r>
+              <a:rPr lang="en-US" sz="1000" dirty="0"/>
+              <a:t>PTAU</a:t>
+            </a:r>
+          </a:p>
+          <a:p>
+            <a:r>
+              <a:rPr lang="en-US" sz="1000" dirty="0"/>
+              <a:t>FDG-PET BAG</a:t>
+            </a:r>
+          </a:p>
+          <a:p>
+            <a:r>
+              <a:rPr lang="en-US" sz="1000" dirty="0"/>
+              <a:t>            n         r          CI95%     p-</a:t>
+            </a:r>
+            <a:r>
+              <a:rPr lang="en-US" sz="1000" dirty="0" err="1"/>
+              <a:t>val</a:t>
+            </a:r>
+            <a:endParaRPr lang="en-US" sz="1000" dirty="0"/>
+          </a:p>
+          <a:p>
+            <a:r>
+              <a:rPr lang="en-US" sz="1000" dirty="0"/>
+              <a:t>spearman  209 -0.053813  [-0.19, 0.08]  0.443483</a:t>
+            </a:r>
+          </a:p>
+          <a:p>
+            <a:r>
+              <a:rPr lang="en-US" sz="1000" dirty="0"/>
+              <a:t>MRI BAG: </a:t>
+            </a:r>
+          </a:p>
+          <a:p>
+            <a:r>
+              <a:rPr lang="en-US" sz="1000" dirty="0"/>
+              <a:t>            n         r          CI95%     p-</a:t>
+            </a:r>
+            <a:r>
+              <a:rPr lang="en-US" sz="1000" dirty="0" err="1"/>
+              <a:t>val</a:t>
+            </a:r>
+            <a:endParaRPr lang="en-US" sz="1000" dirty="0"/>
+          </a:p>
+          <a:p>
+            <a:r>
+              <a:rPr lang="en-US" sz="1000" dirty="0"/>
+              <a:t>spearman  209 -0.029502  [-0.17, 0.11]  0.674554</a:t>
+            </a:r>
+          </a:p>
+          <a:p>
+            <a:r>
+              <a:rPr lang="en-US" sz="1000" dirty="0"/>
+              <a:t>PTAU.ABETA42</a:t>
+            </a:r>
+          </a:p>
+          <a:p>
+            <a:r>
+              <a:rPr lang="en-US" sz="1000" b="1" dirty="0"/>
+              <a:t>FDG-PET BAG</a:t>
+            </a:r>
+          </a:p>
+          <a:p>
+            <a:r>
+              <a:rPr lang="en-US" sz="1000" b="1" dirty="0"/>
+              <a:t>            n         r          CI95%     p-</a:t>
+            </a:r>
+            <a:r>
+              <a:rPr lang="en-US" sz="1000" b="1" dirty="0" err="1"/>
+              <a:t>val</a:t>
+            </a:r>
+            <a:endParaRPr lang="en-US" sz="1000" b="1" dirty="0"/>
+          </a:p>
+          <a:p>
+            <a:r>
+              <a:rPr lang="en-US" sz="1000" b="1" dirty="0"/>
+              <a:t>spearman  209  0.120105  [-0.02, 0.25]  </a:t>
+            </a:r>
+            <a:r>
+              <a:rPr lang="en-US" sz="1000" b="1" dirty="0" smtClean="0"/>
+              <a:t>0.086283 +</a:t>
+            </a:r>
+            <a:endParaRPr lang="en-US" sz="1000" b="1" dirty="0"/>
+          </a:p>
+          <a:p>
+            <a:r>
+              <a:rPr lang="en-US" sz="1000" dirty="0"/>
+              <a:t>MRI BAG: </a:t>
+            </a:r>
+          </a:p>
+          <a:p>
+            <a:r>
+              <a:rPr lang="en-US" sz="1000" dirty="0"/>
+              <a:t>            n         r          CI95%     p-</a:t>
+            </a:r>
+            <a:r>
+              <a:rPr lang="en-US" sz="1000" dirty="0" err="1"/>
+              <a:t>val</a:t>
+            </a:r>
+            <a:endParaRPr lang="en-US" sz="1000" dirty="0"/>
+          </a:p>
+          <a:p>
+            <a:r>
+              <a:rPr lang="en-US" sz="1000" dirty="0"/>
+              <a:t>spearman  209 -0.000642  [-0.14, 0.14]  0.992709</a:t>
+            </a:r>
           </a:p>
         </p:txBody>
       </p:sp>
     </p:spTree>
     <p:extLst>
       <p:ext uri="{BB962C8B-B14F-4D97-AF65-F5344CB8AC3E}">
-        <p14:creationId xmlns:p14="http://schemas.microsoft.com/office/powerpoint/2010/main" val="3239343074"/>
+        <p14:creationId xmlns:p14="http://schemas.microsoft.com/office/powerpoint/2010/main" val="438679269"/>
       </p:ext>
     </p:extLst>
   </p:cSld>
@@ -9130,7 +9617,7 @@
       </p:grpSpPr>
       <p:sp>
         <p:nvSpPr>
-          <p:cNvPr id="4" name="Titel 3"/>
+          <p:cNvPr id="2" name="Titel 1"/>
           <p:cNvSpPr>
             <a:spLocks noGrp="1"/>
           </p:cNvSpPr>
@@ -9143,10 +9630,9 @@
           <a:bodyPr/>
           <a:lstStyle/>
           <a:p>
-            <a:pPr algn="ctr"/>
             <a:r>
               <a:rPr lang="en-US" dirty="0" smtClean="0"/>
-              <a:t>MCI</a:t>
+              <a:t>Cognitive Outcome</a:t>
             </a:r>
             <a:endParaRPr lang="en-US" dirty="0"/>
           </a:p>
@@ -9154,27 +9640,552 @@
       </p:sp>
       <p:sp>
         <p:nvSpPr>
-          <p:cNvPr id="5" name="Textplatzhalter 4"/>
-          <p:cNvSpPr>
-            <a:spLocks noGrp="1"/>
-          </p:cNvSpPr>
-          <p:nvPr>
-            <p:ph type="body" idx="1"/>
-          </p:nvPr>
-        </p:nvSpPr>
-        <p:spPr/>
-        <p:txBody>
-          <a:bodyPr/>
-          <a:lstStyle/>
-          <a:p>
-            <a:endParaRPr lang="en-US"/>
+          <p:cNvPr id="3" name="Rechteck 2"/>
+          <p:cNvSpPr/>
+          <p:nvPr/>
+        </p:nvSpPr>
+        <p:spPr>
+          <a:xfrm>
+            <a:off x="8068236" y="468796"/>
+            <a:ext cx="6096000" cy="6247864"/>
+          </a:xfrm>
+          <a:prstGeom prst="rect">
+            <a:avLst/>
+          </a:prstGeom>
+        </p:spPr>
+        <p:txBody>
+          <a:bodyPr>
+            <a:spAutoFit/>
+          </a:bodyPr>
+          <a:lstStyle/>
+          <a:p>
+            <a:r>
+              <a:rPr lang="en-US" sz="1000" dirty="0"/>
+              <a:t>PET.BAG</a:t>
+            </a:r>
+          </a:p>
+          <a:p>
+            <a:r>
+              <a:rPr lang="en-US" sz="1000" dirty="0"/>
+              <a:t>237 subjects with full information.</a:t>
+            </a:r>
+          </a:p>
+          <a:p>
+            <a:r>
+              <a:rPr lang="en-US" sz="1000" dirty="0" smtClean="0"/>
+              <a:t>AUC</a:t>
+            </a:r>
+            <a:r>
+              <a:rPr lang="en-US" sz="1000" dirty="0"/>
+              <a:t>:  0.6336397194536729</a:t>
+            </a:r>
+          </a:p>
+          <a:p>
+            <a:r>
+              <a:rPr lang="en-US" sz="1000" dirty="0"/>
+              <a:t>Feature importance:  ['PET.BAG'] </a:t>
+            </a:r>
+          </a:p>
+          <a:p>
+            <a:endParaRPr lang="en-US" sz="1000" dirty="0"/>
+          </a:p>
+          <a:p>
+            <a:r>
+              <a:rPr lang="en-US" sz="1000" dirty="0"/>
+              <a:t>MRI.BAG</a:t>
+            </a:r>
+          </a:p>
+          <a:p>
+            <a:r>
+              <a:rPr lang="en-US" sz="1000" dirty="0"/>
+              <a:t>237 subjects with full information.</a:t>
+            </a:r>
+          </a:p>
+          <a:p>
+            <a:r>
+              <a:rPr lang="en-US" sz="1000" dirty="0" smtClean="0"/>
+              <a:t>AUC</a:t>
+            </a:r>
+            <a:r>
+              <a:rPr lang="en-US" sz="1000" dirty="0"/>
+              <a:t>:  0.5507087486157253</a:t>
+            </a:r>
+          </a:p>
+          <a:p>
+            <a:r>
+              <a:rPr lang="en-US" sz="1000" dirty="0"/>
+              <a:t>Feature importance:  ['MRI.BAG'] </a:t>
+            </a:r>
+          </a:p>
+          <a:p>
+            <a:endParaRPr lang="en-US" sz="1000" dirty="0"/>
+          </a:p>
+          <a:p>
+            <a:r>
+              <a:rPr lang="en-US" sz="1000" dirty="0" err="1"/>
+              <a:t>Hippocampus_GMV</a:t>
+            </a:r>
+            <a:endParaRPr lang="en-US" sz="1000" dirty="0"/>
+          </a:p>
+          <a:p>
+            <a:r>
+              <a:rPr lang="en-US" sz="1000" dirty="0"/>
+              <a:t>237 subjects with full information.</a:t>
+            </a:r>
+          </a:p>
+          <a:p>
+            <a:r>
+              <a:rPr lang="en-US" sz="1000" dirty="0" smtClean="0"/>
+              <a:t>AUC</a:t>
+            </a:r>
+            <a:r>
+              <a:rPr lang="en-US" sz="1000" dirty="0"/>
+              <a:t>:  0.7374492432631967</a:t>
+            </a:r>
+          </a:p>
+          <a:p>
+            <a:r>
+              <a:rPr lang="en-US" sz="1000" dirty="0"/>
+              <a:t>Feature importance:  ['</a:t>
+            </a:r>
+            <a:r>
+              <a:rPr lang="en-US" sz="1000" dirty="0" err="1"/>
+              <a:t>Hippocampus_GMV</a:t>
+            </a:r>
+            <a:r>
+              <a:rPr lang="en-US" sz="1000" dirty="0"/>
+              <a:t>'] </a:t>
+            </a:r>
+          </a:p>
+          <a:p>
+            <a:endParaRPr lang="en-US" sz="1000" dirty="0"/>
+          </a:p>
+          <a:p>
+            <a:r>
+              <a:rPr lang="en-US" sz="1000" dirty="0"/>
+              <a:t>SUMMARYSUVR_WHOLECEREBNORM</a:t>
+            </a:r>
+          </a:p>
+          <a:p>
+            <a:r>
+              <a:rPr lang="en-US" sz="1000" dirty="0"/>
+              <a:t>230 subjects with full information.</a:t>
+            </a:r>
+          </a:p>
+          <a:p>
+            <a:r>
+              <a:rPr lang="en-US" sz="1000" dirty="0" smtClean="0"/>
+              <a:t>AUC</a:t>
+            </a:r>
+            <a:r>
+              <a:rPr lang="en-US" sz="1000" dirty="0"/>
+              <a:t>:  0.5473170731707317</a:t>
+            </a:r>
+          </a:p>
+          <a:p>
+            <a:r>
+              <a:rPr lang="en-US" sz="1000" dirty="0"/>
+              <a:t>Feature importance:  ['SUMMARYSUVR_WHOLECEREBNORM'] </a:t>
+            </a:r>
+          </a:p>
+          <a:p>
+            <a:endParaRPr lang="en-US" sz="1000" dirty="0"/>
+          </a:p>
+          <a:p>
+            <a:r>
+              <a:rPr lang="en-US" sz="1000" dirty="0" err="1"/>
+              <a:t>Precuneus_SUVR</a:t>
+            </a:r>
+            <a:endParaRPr lang="en-US" sz="1000" dirty="0"/>
+          </a:p>
+          <a:p>
+            <a:r>
+              <a:rPr lang="en-US" sz="1000" dirty="0"/>
+              <a:t>237 subjects with full information.</a:t>
+            </a:r>
+          </a:p>
+          <a:p>
+            <a:r>
+              <a:rPr lang="en-US" sz="1000" dirty="0" smtClean="0"/>
+              <a:t>AUC</a:t>
+            </a:r>
+            <a:r>
+              <a:rPr lang="en-US" sz="1000" dirty="0"/>
+              <a:t>:  0.5690365448504984</a:t>
+            </a:r>
+          </a:p>
+          <a:p>
+            <a:r>
+              <a:rPr lang="en-US" sz="1000" dirty="0"/>
+              <a:t>Feature importance:  ['</a:t>
+            </a:r>
+            <a:r>
+              <a:rPr lang="en-US" sz="1000" dirty="0" err="1"/>
+              <a:t>Precuneus_SUVR</a:t>
+            </a:r>
+            <a:r>
+              <a:rPr lang="en-US" sz="1000" dirty="0"/>
+              <a:t>'] </a:t>
+            </a:r>
+          </a:p>
+          <a:p>
+            <a:endParaRPr lang="en-US" sz="1000" dirty="0"/>
+          </a:p>
+          <a:p>
+            <a:r>
+              <a:rPr lang="en-US" sz="1000" dirty="0"/>
+              <a:t>PTAU.ABETA42</a:t>
+            </a:r>
+          </a:p>
+          <a:p>
+            <a:r>
+              <a:rPr lang="en-US" sz="1000" dirty="0"/>
+              <a:t>209 subjects with full information.</a:t>
+            </a:r>
+          </a:p>
+          <a:p>
+            <a:r>
+              <a:rPr lang="en-US" sz="1000" dirty="0" smtClean="0"/>
+              <a:t>AUC</a:t>
+            </a:r>
+            <a:r>
+              <a:rPr lang="en-US" sz="1000" dirty="0"/>
+              <a:t>:  0.5999431009957326</a:t>
+            </a:r>
+          </a:p>
+          <a:p>
+            <a:r>
+              <a:rPr lang="en-US" sz="1000" dirty="0"/>
+              <a:t>Feature importance:  ['PTAU.ABETA42'] </a:t>
+            </a:r>
+          </a:p>
+          <a:p>
+            <a:endParaRPr lang="en-US" sz="1000" dirty="0"/>
+          </a:p>
+          <a:p>
+            <a:r>
+              <a:rPr lang="en-US" sz="1000" dirty="0"/>
+              <a:t>MMSE</a:t>
+            </a:r>
+          </a:p>
+          <a:p>
+            <a:r>
+              <a:rPr lang="en-US" sz="1000" dirty="0"/>
+              <a:t>237 subjects with full information.</a:t>
+            </a:r>
+          </a:p>
+          <a:p>
+            <a:r>
+              <a:rPr lang="en-US" sz="1000" dirty="0" smtClean="0"/>
+              <a:t>AUC</a:t>
+            </a:r>
+            <a:r>
+              <a:rPr lang="en-US" sz="1000" dirty="0"/>
+              <a:t>:  0.45713732004429686</a:t>
+            </a:r>
+          </a:p>
+          <a:p>
+            <a:r>
+              <a:rPr lang="en-US" sz="1000" dirty="0"/>
+              <a:t>Feature importance:  ['MMSE'] </a:t>
+            </a:r>
+          </a:p>
+          <a:p>
+            <a:endParaRPr lang="en-US" sz="1000" dirty="0"/>
+          </a:p>
+          <a:p>
+            <a:r>
+              <a:rPr lang="en-US" sz="1000" dirty="0" err="1"/>
+              <a:t>meanage</a:t>
+            </a:r>
+            <a:endParaRPr lang="en-US" sz="1000" dirty="0"/>
+          </a:p>
+          <a:p>
+            <a:r>
+              <a:rPr lang="en-US" sz="1000" dirty="0"/>
+              <a:t>237 subjects with full information.</a:t>
+            </a:r>
+          </a:p>
+          <a:p>
+            <a:r>
+              <a:rPr lang="en-US" sz="1000" dirty="0" smtClean="0"/>
+              <a:t>AUC</a:t>
+            </a:r>
+            <a:r>
+              <a:rPr lang="en-US" sz="1000" dirty="0"/>
+              <a:t>:  0.6596419342930971</a:t>
+            </a:r>
+          </a:p>
+          <a:p>
+            <a:r>
+              <a:rPr lang="en-US" sz="1000" dirty="0"/>
+              <a:t>Feature importance:  ['</a:t>
+            </a:r>
+            <a:r>
+              <a:rPr lang="en-US" sz="1000" dirty="0" err="1"/>
+              <a:t>meanage</a:t>
+            </a:r>
+            <a:r>
+              <a:rPr lang="en-US" sz="1000" dirty="0"/>
+              <a:t>'] </a:t>
+            </a:r>
+          </a:p>
+          <a:p>
+            <a:endParaRPr lang="en-US" sz="1000" dirty="0"/>
+          </a:p>
+        </p:txBody>
+      </p:sp>
+      <p:sp>
+        <p:nvSpPr>
+          <p:cNvPr id="5" name="Rechteck 4"/>
+          <p:cNvSpPr/>
+          <p:nvPr/>
+        </p:nvSpPr>
+        <p:spPr>
+          <a:xfrm>
+            <a:off x="1016000" y="2626189"/>
+            <a:ext cx="6456218" cy="2862322"/>
+          </a:xfrm>
+          <a:prstGeom prst="rect">
+            <a:avLst/>
+          </a:prstGeom>
+        </p:spPr>
+        <p:txBody>
+          <a:bodyPr wrap="square">
+            <a:spAutoFit/>
+          </a:bodyPr>
+          <a:lstStyle/>
+          <a:p>
+            <a:r>
+              <a:rPr lang="en-US" sz="1000" dirty="0"/>
+              <a:t>FDG-PET BAG:        </a:t>
+            </a:r>
+            <a:endParaRPr lang="en-US" sz="1000" dirty="0" smtClean="0"/>
+          </a:p>
+          <a:p>
+            <a:r>
+              <a:rPr lang="en-US" sz="1000" dirty="0" smtClean="0"/>
+              <a:t>Source          	SS   	DF         	F     	p-</a:t>
+            </a:r>
+            <a:r>
+              <a:rPr lang="en-US" sz="1000" dirty="0" err="1" smtClean="0"/>
+              <a:t>unc</a:t>
+            </a:r>
+            <a:r>
+              <a:rPr lang="en-US" sz="1000" dirty="0" smtClean="0"/>
+              <a:t>       	np2</a:t>
+            </a:r>
+            <a:endParaRPr lang="en-US" sz="1000" dirty="0"/>
+          </a:p>
+          <a:p>
+            <a:r>
+              <a:rPr lang="en-US" sz="1000" dirty="0" err="1" smtClean="0"/>
+              <a:t>DX.cat.n</a:t>
+            </a:r>
+            <a:r>
+              <a:rPr lang="en-US" sz="1000" dirty="0" smtClean="0"/>
+              <a:t>   	 </a:t>
+            </a:r>
+            <a:r>
+              <a:rPr lang="en-US" sz="1000" dirty="0"/>
+              <a:t>14.864316    </a:t>
+            </a:r>
+            <a:r>
+              <a:rPr lang="en-US" sz="1000" dirty="0" smtClean="0"/>
+              <a:t>	1    	1.269554  	</a:t>
+            </a:r>
+            <a:r>
+              <a:rPr lang="en-US" sz="1000" b="1" dirty="0" smtClean="0"/>
+              <a:t>0.261014  </a:t>
+            </a:r>
+            <a:r>
+              <a:rPr lang="en-US" sz="1000" dirty="0" smtClean="0"/>
+              <a:t>	0.005442</a:t>
+            </a:r>
+            <a:endParaRPr lang="en-US" sz="1000" dirty="0"/>
+          </a:p>
+          <a:p>
+            <a:r>
+              <a:rPr lang="en-US" sz="1000" dirty="0" smtClean="0"/>
+              <a:t>PTEDUCAT    	32.863926    	1  	2.806892  	0.095207  	0.011954</a:t>
+            </a:r>
+            <a:endParaRPr lang="en-US" sz="1000" dirty="0"/>
+          </a:p>
+          <a:p>
+            <a:r>
+              <a:rPr lang="en-US" sz="1000" dirty="0" smtClean="0"/>
+              <a:t>APOE4    	1.042982    	1  	0.089081  	0.765616  	0.000384</a:t>
+            </a:r>
+          </a:p>
+          <a:p>
+            <a:r>
+              <a:rPr lang="en-US" sz="1000" dirty="0" smtClean="0"/>
+              <a:t>PTGENDER     	9.511962    	1 	0.812412  	0.368343  	0.003490</a:t>
+            </a:r>
+          </a:p>
+          <a:p>
+            <a:r>
+              <a:rPr lang="en-US" sz="1000" dirty="0" smtClean="0"/>
+              <a:t>Residual  	2716.325163  	232      	</a:t>
+            </a:r>
+            <a:r>
+              <a:rPr lang="en-US" sz="1000" dirty="0" err="1" smtClean="0"/>
+              <a:t>NaN</a:t>
+            </a:r>
+            <a:r>
+              <a:rPr lang="en-US" sz="1000" dirty="0" smtClean="0"/>
+              <a:t>       	</a:t>
+            </a:r>
+            <a:r>
+              <a:rPr lang="en-US" sz="1000" dirty="0" err="1" smtClean="0"/>
+              <a:t>NaN</a:t>
+            </a:r>
+            <a:r>
+              <a:rPr lang="en-US" sz="1000" dirty="0" smtClean="0"/>
+              <a:t>      	</a:t>
+            </a:r>
+            <a:r>
+              <a:rPr lang="en-US" sz="1000" dirty="0" err="1" smtClean="0"/>
+              <a:t>NaN</a:t>
+            </a:r>
+            <a:endParaRPr lang="en-US" sz="1000" dirty="0" smtClean="0"/>
+          </a:p>
+          <a:p>
+            <a:pPr marL="228600" indent="-228600">
+              <a:buAutoNum type="arabicPlain" startAt="4"/>
+            </a:pPr>
+            <a:endParaRPr lang="en-US" sz="1000" dirty="0"/>
+          </a:p>
+          <a:p>
+            <a:r>
+              <a:rPr lang="en-US" sz="1000" dirty="0"/>
+              <a:t>MRI BAG:       </a:t>
+            </a:r>
+            <a:endParaRPr lang="en-US" sz="1000" dirty="0" smtClean="0"/>
+          </a:p>
+          <a:p>
+            <a:r>
+              <a:rPr lang="en-US" sz="1000" dirty="0" smtClean="0"/>
+              <a:t>Source           	SS   	DF          	F     	p-</a:t>
+            </a:r>
+            <a:r>
+              <a:rPr lang="en-US" sz="1000" dirty="0" err="1" smtClean="0"/>
+              <a:t>unc</a:t>
+            </a:r>
+            <a:r>
+              <a:rPr lang="en-US" sz="1000" dirty="0" smtClean="0"/>
+              <a:t>       	np2</a:t>
+            </a:r>
+            <a:endParaRPr lang="en-US" sz="1000" dirty="0"/>
+          </a:p>
+          <a:p>
+            <a:r>
+              <a:rPr lang="en-US" sz="1000" dirty="0" err="1" smtClean="0"/>
+              <a:t>DX.cat.n</a:t>
+            </a:r>
+            <a:r>
+              <a:rPr lang="en-US" sz="1000" dirty="0" smtClean="0"/>
+              <a:t>     	5.965793    	1   	0.588828  	</a:t>
+            </a:r>
+            <a:r>
+              <a:rPr lang="en-US" sz="1000" b="1" dirty="0" smtClean="0"/>
+              <a:t>0.443653</a:t>
+            </a:r>
+            <a:r>
+              <a:rPr lang="en-US" sz="1000" dirty="0" smtClean="0"/>
+              <a:t>  </a:t>
+            </a:r>
+            <a:r>
+              <a:rPr lang="en-US" sz="1000" dirty="0"/>
+              <a:t>0.002532</a:t>
+            </a:r>
+          </a:p>
+          <a:p>
+            <a:r>
+              <a:rPr lang="en-US" sz="1000" dirty="0" smtClean="0"/>
+              <a:t>PTEDUCAT    	0.884753    	1   	0.087326 	0.767869  </a:t>
+            </a:r>
+            <a:r>
+              <a:rPr lang="en-US" sz="1000" dirty="0"/>
+              <a:t>0.000376</a:t>
+            </a:r>
+          </a:p>
+          <a:p>
+            <a:r>
+              <a:rPr lang="en-US" sz="1000" dirty="0" smtClean="0"/>
+              <a:t>APOE4     	3.240248    	1   	0.319815  	0.572265  </a:t>
+            </a:r>
+            <a:r>
+              <a:rPr lang="en-US" sz="1000" dirty="0"/>
+              <a:t>0.001377</a:t>
+            </a:r>
+          </a:p>
+          <a:p>
+            <a:r>
+              <a:rPr lang="en-US" sz="1000" dirty="0" smtClean="0"/>
+              <a:t>PTGENDER   	168.085840    	1  	16.590200  	</a:t>
+            </a:r>
+            <a:r>
+              <a:rPr lang="en-US" sz="1000" b="1" dirty="0" smtClean="0"/>
+              <a:t>0.000064</a:t>
+            </a:r>
+            <a:r>
+              <a:rPr lang="en-US" sz="1000" dirty="0" smtClean="0"/>
+              <a:t>  </a:t>
+            </a:r>
+            <a:r>
+              <a:rPr lang="en-US" sz="1000" dirty="0"/>
+              <a:t>0.066737</a:t>
+            </a:r>
+          </a:p>
+          <a:p>
+            <a:r>
+              <a:rPr lang="en-US" sz="1000" dirty="0" smtClean="0"/>
+              <a:t>Residual  	2350.539230  	232        </a:t>
+            </a:r>
+            <a:r>
+              <a:rPr lang="en-US" sz="1000" dirty="0" err="1"/>
+              <a:t>NaN</a:t>
+            </a:r>
+            <a:r>
+              <a:rPr lang="en-US" sz="1000" dirty="0"/>
+              <a:t>       </a:t>
+            </a:r>
+            <a:r>
+              <a:rPr lang="en-US" sz="1000" dirty="0" err="1"/>
+              <a:t>NaN</a:t>
+            </a:r>
+            <a:r>
+              <a:rPr lang="en-US" sz="1000" dirty="0"/>
+              <a:t>       </a:t>
+            </a:r>
+            <a:r>
+              <a:rPr lang="en-US" sz="1000" dirty="0" err="1" smtClean="0"/>
+              <a:t>NaN</a:t>
+            </a:r>
+            <a:endParaRPr lang="en-US" sz="1000" dirty="0" smtClean="0"/>
+          </a:p>
+          <a:p>
+            <a:endParaRPr lang="en-US" sz="1000" dirty="0"/>
+          </a:p>
+          <a:p>
+            <a:r>
+              <a:rPr lang="en-US" sz="1000" dirty="0"/>
+              <a:t>Mean PET BAG stables: [0.25622209], mean PET BAG decliners: [0.91459078].</a:t>
+            </a:r>
+          </a:p>
+          <a:p>
+            <a:r>
+              <a:rPr lang="en-US" sz="1000" dirty="0"/>
+              <a:t>Mean MRI BAG stables: [0.04624971], mean MRI BAG decliners: [0.78794796].</a:t>
+            </a:r>
           </a:p>
         </p:txBody>
       </p:sp>
     </p:spTree>
     <p:extLst>
       <p:ext uri="{BB962C8B-B14F-4D97-AF65-F5344CB8AC3E}">
-        <p14:creationId xmlns:p14="http://schemas.microsoft.com/office/powerpoint/2010/main" val="202631421"/>
+        <p14:creationId xmlns:p14="http://schemas.microsoft.com/office/powerpoint/2010/main" val="3948443851"/>
       </p:ext>
     </p:extLst>
   </p:cSld>
